--- a/プレゼンテーション1.pptx
+++ b/プレゼンテーション1.pptx
@@ -12,8 +12,7 @@
     <p:sldId id="261" r:id="rId6"/>
     <p:sldId id="262" r:id="rId7"/>
     <p:sldId id="263" r:id="rId8"/>
-    <p:sldId id="264" r:id="rId9"/>
-    <p:sldId id="265" r:id="rId10"/>
+    <p:sldId id="265" r:id="rId9"/>
   </p:sldIdLst>
   <p:sldSz cx="12192000" cy="6858000"/>
   <p:notesSz cx="6858000" cy="9144000"/>
@@ -112,6 +111,11 @@
       </a:defRPr>
     </a:lvl9pPr>
   </p:defaultTextStyle>
+  <p:extLst>
+    <p:ext uri="{EFAFB233-063F-42B5-8137-9DF3F51BA10A}">
+      <p15:sldGuideLst xmlns:p15="http://schemas.microsoft.com/office/powerpoint/2012/main"/>
+    </p:ext>
+  </p:extLst>
 </p:presentation>
 </file>
 
@@ -5716,7 +5720,7 @@
           <a:p>
             <a:r>
               <a:rPr lang="ja-JP" altLang="en-US" dirty="0"/>
-              <a:t>あらかじめ計算した罠を設置できる座標情報も出力できるようにしている。</a:t>
+              <a:t>あらかじめ計算した罠を設置できる座標情報も出力できるようにしています。</a:t>
             </a:r>
             <a:endParaRPr kumimoji="1" lang="ja-JP" altLang="en-US" dirty="0"/>
           </a:p>
@@ -5788,6 +5792,45 @@
             <a:r>
               <a:rPr kumimoji="1" lang="ja-JP" altLang="en-US" dirty="0"/>
               <a:t>↓赤い点が罠を設置できる座標</a:t>
+            </a:r>
+          </a:p>
+        </p:txBody>
+      </p:sp>
+      <p:sp>
+        <p:nvSpPr>
+          <p:cNvPr id="11" name="テキスト ボックス 10">
+            <a:extLst>
+              <a:ext uri="{FF2B5EF4-FFF2-40B4-BE49-F238E27FC236}">
+                <a16:creationId xmlns:a16="http://schemas.microsoft.com/office/drawing/2014/main" id="{B92E4CCF-C5FC-9948-DF77-9BA83CE9E853}"/>
+              </a:ext>
+            </a:extLst>
+          </p:cNvPr>
+          <p:cNvSpPr txBox="1"/>
+          <p:nvPr/>
+        </p:nvSpPr>
+        <p:spPr>
+          <a:xfrm>
+            <a:off x="511861" y="4552844"/>
+            <a:ext cx="6162674" cy="923330"/>
+          </a:xfrm>
+          <a:prstGeom prst="rect">
+            <a:avLst/>
+          </a:prstGeom>
+          <a:noFill/>
+        </p:spPr>
+        <p:txBody>
+          <a:bodyPr wrap="square">
+            <a:spAutoFit/>
+          </a:bodyPr>
+          <a:lstStyle/>
+          <a:p>
+            <a:r>
+              <a:rPr lang="en-US" altLang="ja-JP" dirty="0"/>
+              <a:t>Unity</a:t>
+            </a:r>
+            <a:r>
+              <a:rPr lang="ja-JP" altLang="en-US" dirty="0"/>
+              <a:t>上で実際にモデルを配置しながらステージの構造、罠を設置できるポイント、敵の移動ルートを決めることができ、ゲームの難易度を調整しやすくなりました。</a:t>
             </a:r>
           </a:p>
         </p:txBody>
@@ -5896,6 +5939,327 @@
           </a:p>
         </p:txBody>
       </p:sp>
+      <p:sp>
+        <p:nvSpPr>
+          <p:cNvPr id="3" name="テキスト ボックス 2">
+            <a:extLst>
+              <a:ext uri="{FF2B5EF4-FFF2-40B4-BE49-F238E27FC236}">
+                <a16:creationId xmlns:a16="http://schemas.microsoft.com/office/drawing/2014/main" id="{D6C7AB77-1B1A-47FA-9372-606E2E06C30F}"/>
+              </a:ext>
+            </a:extLst>
+          </p:cNvPr>
+          <p:cNvSpPr txBox="1"/>
+          <p:nvPr/>
+        </p:nvSpPr>
+        <p:spPr>
+          <a:xfrm>
+            <a:off x="5994400" y="394299"/>
+            <a:ext cx="2444750" cy="461665"/>
+          </a:xfrm>
+          <a:prstGeom prst="rect">
+            <a:avLst/>
+          </a:prstGeom>
+          <a:noFill/>
+        </p:spPr>
+        <p:txBody>
+          <a:bodyPr wrap="square" rtlCol="0">
+            <a:spAutoFit/>
+          </a:bodyPr>
+          <a:lstStyle/>
+          <a:p>
+            <a:r>
+              <a:rPr kumimoji="1" lang="ja-JP" altLang="en-US" sz="2400" dirty="0">
+                <a:solidFill>
+                  <a:schemeClr val="bg1"/>
+                </a:solidFill>
+              </a:rPr>
+              <a:t>処理負荷の軽減</a:t>
+            </a:r>
+          </a:p>
+        </p:txBody>
+      </p:sp>
+      <p:sp>
+        <p:nvSpPr>
+          <p:cNvPr id="6" name="テキスト ボックス 5">
+            <a:extLst>
+              <a:ext uri="{FF2B5EF4-FFF2-40B4-BE49-F238E27FC236}">
+                <a16:creationId xmlns:a16="http://schemas.microsoft.com/office/drawing/2014/main" id="{BC9CFA7D-E68D-47D0-15A5-C14D092E391E}"/>
+              </a:ext>
+            </a:extLst>
+          </p:cNvPr>
+          <p:cNvSpPr txBox="1"/>
+          <p:nvPr/>
+        </p:nvSpPr>
+        <p:spPr>
+          <a:xfrm>
+            <a:off x="312299" y="2511889"/>
+            <a:ext cx="7186612" cy="1754326"/>
+          </a:xfrm>
+          <a:prstGeom prst="rect">
+            <a:avLst/>
+          </a:prstGeom>
+          <a:noFill/>
+        </p:spPr>
+        <p:txBody>
+          <a:bodyPr wrap="square">
+            <a:spAutoFit/>
+          </a:bodyPr>
+          <a:lstStyle/>
+          <a:p>
+            <a:r>
+              <a:rPr lang="ja-JP" altLang="en-US" dirty="0"/>
+              <a:t>各オブジェクトに「スルータグ」という、このタグが付いているオブジェクトとは当たり判定を行わないというデータを持たせ、当たり判定を行う相手のタグが「スルータグ」に含まれていたらそもそも当たり判定を行わないという処理をしている。</a:t>
+            </a:r>
+            <a:endParaRPr lang="en-US" altLang="ja-JP" dirty="0"/>
+          </a:p>
+          <a:p>
+            <a:r>
+              <a:rPr lang="ja-JP" altLang="en-US" dirty="0"/>
+              <a:t>当たり判定を行う必要がないオブジェクト同士の当たり判定の膨大な計算を省略することで、計算負荷を軽減させることができた。</a:t>
+            </a:r>
+          </a:p>
+        </p:txBody>
+      </p:sp>
+      <p:sp>
+        <p:nvSpPr>
+          <p:cNvPr id="9" name="テキスト ボックス 8">
+            <a:extLst>
+              <a:ext uri="{FF2B5EF4-FFF2-40B4-BE49-F238E27FC236}">
+                <a16:creationId xmlns:a16="http://schemas.microsoft.com/office/drawing/2014/main" id="{3F5FE0CB-D8FF-090C-5FE7-97773279676B}"/>
+              </a:ext>
+            </a:extLst>
+          </p:cNvPr>
+          <p:cNvSpPr txBox="1"/>
+          <p:nvPr/>
+        </p:nvSpPr>
+        <p:spPr>
+          <a:xfrm>
+            <a:off x="7554529" y="1396563"/>
+            <a:ext cx="3767683" cy="369332"/>
+          </a:xfrm>
+          <a:prstGeom prst="rect">
+            <a:avLst/>
+          </a:prstGeom>
+          <a:noFill/>
+        </p:spPr>
+        <p:txBody>
+          <a:bodyPr wrap="square" rtlCol="0">
+            <a:spAutoFit/>
+          </a:bodyPr>
+          <a:lstStyle/>
+          <a:p>
+            <a:r>
+              <a:rPr kumimoji="1" lang="ja-JP" altLang="en-US" dirty="0"/>
+              <a:t>↓罠クラスは敵以外をスルー</a:t>
+            </a:r>
+          </a:p>
+        </p:txBody>
+      </p:sp>
+      <p:pic>
+        <p:nvPicPr>
+          <p:cNvPr id="11" name="図 10">
+            <a:extLst>
+              <a:ext uri="{FF2B5EF4-FFF2-40B4-BE49-F238E27FC236}">
+                <a16:creationId xmlns:a16="http://schemas.microsoft.com/office/drawing/2014/main" id="{180345FF-E158-97D6-A297-2CF22DE475B5}"/>
+              </a:ext>
+            </a:extLst>
+          </p:cNvPr>
+          <p:cNvPicPr>
+            <a:picLocks noChangeAspect="1"/>
+          </p:cNvPicPr>
+          <p:nvPr/>
+        </p:nvPicPr>
+        <p:blipFill>
+          <a:blip r:embed="rId3"/>
+          <a:stretch>
+            <a:fillRect/>
+          </a:stretch>
+        </p:blipFill>
+        <p:spPr>
+          <a:xfrm>
+            <a:off x="7624216" y="1780133"/>
+            <a:ext cx="3980987" cy="2718002"/>
+          </a:xfrm>
+          <a:prstGeom prst="rect">
+            <a:avLst/>
+          </a:prstGeom>
+          <a:ln w="88900" cap="sq" cmpd="thickThin">
+            <a:solidFill>
+              <a:schemeClr val="accent1"/>
+            </a:solidFill>
+            <a:prstDash val="solid"/>
+            <a:miter lim="800000"/>
+          </a:ln>
+          <a:effectLst>
+            <a:innerShdw blurRad="76200">
+              <a:srgbClr val="000000"/>
+            </a:innerShdw>
+          </a:effectLst>
+        </p:spPr>
+      </p:pic>
+      <p:pic>
+        <p:nvPicPr>
+          <p:cNvPr id="13" name="図 12">
+            <a:extLst>
+              <a:ext uri="{FF2B5EF4-FFF2-40B4-BE49-F238E27FC236}">
+                <a16:creationId xmlns:a16="http://schemas.microsoft.com/office/drawing/2014/main" id="{5E591F16-2EF6-5E09-46EE-688744B0B317}"/>
+              </a:ext>
+            </a:extLst>
+          </p:cNvPr>
+          <p:cNvPicPr>
+            <a:picLocks noChangeAspect="1"/>
+          </p:cNvPicPr>
+          <p:nvPr/>
+        </p:nvPicPr>
+        <p:blipFill>
+          <a:blip r:embed="rId4"/>
+          <a:stretch>
+            <a:fillRect/>
+          </a:stretch>
+        </p:blipFill>
+        <p:spPr>
+          <a:xfrm>
+            <a:off x="744737" y="5395300"/>
+            <a:ext cx="8415988" cy="855567"/>
+          </a:xfrm>
+          <a:prstGeom prst="rect">
+            <a:avLst/>
+          </a:prstGeom>
+          <a:ln w="88900" cap="sq" cmpd="thickThin">
+            <a:solidFill>
+              <a:schemeClr val="accent1"/>
+            </a:solidFill>
+            <a:prstDash val="solid"/>
+            <a:miter lim="800000"/>
+          </a:ln>
+          <a:effectLst>
+            <a:innerShdw blurRad="76200">
+              <a:srgbClr val="000000"/>
+            </a:innerShdw>
+          </a:effectLst>
+        </p:spPr>
+      </p:pic>
+      <p:sp>
+        <p:nvSpPr>
+          <p:cNvPr id="14" name="テキスト ボックス 13">
+            <a:extLst>
+              <a:ext uri="{FF2B5EF4-FFF2-40B4-BE49-F238E27FC236}">
+                <a16:creationId xmlns:a16="http://schemas.microsoft.com/office/drawing/2014/main" id="{0A8BCA72-BA7F-D84A-1AC6-57087CAAEF2B}"/>
+              </a:ext>
+            </a:extLst>
+          </p:cNvPr>
+          <p:cNvSpPr txBox="1"/>
+          <p:nvPr/>
+        </p:nvSpPr>
+        <p:spPr>
+          <a:xfrm>
+            <a:off x="801201" y="5025968"/>
+            <a:ext cx="6823015" cy="369332"/>
+          </a:xfrm>
+          <a:prstGeom prst="rect">
+            <a:avLst/>
+          </a:prstGeom>
+          <a:noFill/>
+        </p:spPr>
+        <p:txBody>
+          <a:bodyPr wrap="square" rtlCol="0">
+            <a:spAutoFit/>
+          </a:bodyPr>
+          <a:lstStyle/>
+          <a:p>
+            <a:r>
+              <a:rPr kumimoji="1" lang="ja-JP" altLang="en-US" dirty="0"/>
+              <a:t>↓相手のタグがスルー対象のタグなら</a:t>
+            </a:r>
+            <a:r>
+              <a:rPr lang="ja-JP" altLang="en-US" dirty="0"/>
+              <a:t>当たり判定の</a:t>
+            </a:r>
+            <a:r>
+              <a:rPr kumimoji="1" lang="ja-JP" altLang="en-US" dirty="0"/>
+              <a:t>処理を飛ばす</a:t>
+            </a:r>
+          </a:p>
+        </p:txBody>
+      </p:sp>
+      <p:sp>
+        <p:nvSpPr>
+          <p:cNvPr id="15" name="テキスト ボックス 14">
+            <a:extLst>
+              <a:ext uri="{FF2B5EF4-FFF2-40B4-BE49-F238E27FC236}">
+                <a16:creationId xmlns:a16="http://schemas.microsoft.com/office/drawing/2014/main" id="{5DA1DDE7-E14B-44F0-FC50-9D1A1C2EB180}"/>
+              </a:ext>
+            </a:extLst>
+          </p:cNvPr>
+          <p:cNvSpPr txBox="1"/>
+          <p:nvPr/>
+        </p:nvSpPr>
+        <p:spPr>
+          <a:xfrm>
+            <a:off x="8860339" y="4558223"/>
+            <a:ext cx="2744864" cy="338554"/>
+          </a:xfrm>
+          <a:prstGeom prst="rect">
+            <a:avLst/>
+          </a:prstGeom>
+          <a:noFill/>
+        </p:spPr>
+        <p:txBody>
+          <a:bodyPr wrap="square" rtlCol="0">
+            <a:spAutoFit/>
+          </a:bodyPr>
+          <a:lstStyle/>
+          <a:p>
+            <a:r>
+              <a:rPr kumimoji="1" lang="en-US" altLang="ja-JP" sz="1600" dirty="0"/>
+              <a:t>Object/Trap/TrapBase.cpp</a:t>
+            </a:r>
+          </a:p>
+        </p:txBody>
+      </p:sp>
+      <p:sp>
+        <p:nvSpPr>
+          <p:cNvPr id="16" name="テキスト ボックス 15">
+            <a:extLst>
+              <a:ext uri="{FF2B5EF4-FFF2-40B4-BE49-F238E27FC236}">
+                <a16:creationId xmlns:a16="http://schemas.microsoft.com/office/drawing/2014/main" id="{330D5330-D099-9257-6A21-920693F317F2}"/>
+              </a:ext>
+            </a:extLst>
+          </p:cNvPr>
+          <p:cNvSpPr txBox="1"/>
+          <p:nvPr/>
+        </p:nvSpPr>
+        <p:spPr>
+          <a:xfrm>
+            <a:off x="7216775" y="6319787"/>
+            <a:ext cx="2002055" cy="338554"/>
+          </a:xfrm>
+          <a:prstGeom prst="rect">
+            <a:avLst/>
+          </a:prstGeom>
+          <a:noFill/>
+        </p:spPr>
+        <p:txBody>
+          <a:bodyPr wrap="square" rtlCol="0">
+            <a:spAutoFit/>
+          </a:bodyPr>
+          <a:lstStyle/>
+          <a:p>
+            <a:r>
+              <a:rPr kumimoji="1" lang="en-US" altLang="ja-JP" sz="1600" dirty="0" err="1"/>
+              <a:t>MyLib</a:t>
+            </a:r>
+            <a:r>
+              <a:rPr lang="en-US" altLang="ja-JP" sz="1600" dirty="0"/>
+              <a:t>/Physics</a:t>
+            </a:r>
+            <a:r>
+              <a:rPr kumimoji="1" lang="en-US" altLang="ja-JP" sz="1600" dirty="0"/>
+              <a:t>.cpp</a:t>
+            </a:r>
+          </a:p>
+        </p:txBody>
+      </p:sp>
     </p:spTree>
     <p:extLst>
       <p:ext uri="{BB962C8B-B14F-4D97-AF65-F5344CB8AC3E}">
@@ -6000,54 +6364,110 @@
           </a:p>
         </p:txBody>
       </p:sp>
-    </p:spTree>
-    <p:extLst>
-      <p:ext uri="{BB962C8B-B14F-4D97-AF65-F5344CB8AC3E}">
-        <p14:creationId xmlns:p14="http://schemas.microsoft.com/office/powerpoint/2010/main" val="1911421111"/>
-      </p:ext>
-    </p:extLst>
-  </p:cSld>
-  <p:clrMapOvr>
-    <a:masterClrMapping/>
-  </p:clrMapOvr>
-</p:sld>
-</file>
-
-<file path=ppt/slides/slide9.xml><?xml version="1.0" encoding="utf-8"?>
-<p:sld xmlns:a="http://schemas.openxmlformats.org/drawingml/2006/main" xmlns:r="http://schemas.openxmlformats.org/officeDocument/2006/relationships" xmlns:p="http://schemas.openxmlformats.org/presentationml/2006/main">
-  <p:cSld>
-    <p:spTree>
-      <p:nvGrpSpPr>
-        <p:cNvPr id="1" name=""/>
-        <p:cNvGrpSpPr/>
-        <p:nvPr/>
-      </p:nvGrpSpPr>
-      <p:grpSpPr>
-        <a:xfrm>
-          <a:off x="0" y="0"/>
-          <a:ext cx="0" cy="0"/>
-          <a:chOff x="0" y="0"/>
-          <a:chExt cx="0" cy="0"/>
-        </a:xfrm>
-      </p:grpSpPr>
+      <p:sp>
+        <p:nvSpPr>
+          <p:cNvPr id="3" name="テキスト ボックス 2">
+            <a:extLst>
+              <a:ext uri="{FF2B5EF4-FFF2-40B4-BE49-F238E27FC236}">
+                <a16:creationId xmlns:a16="http://schemas.microsoft.com/office/drawing/2014/main" id="{DB8D9558-264C-6376-8494-2D658B8DCFF4}"/>
+              </a:ext>
+            </a:extLst>
+          </p:cNvPr>
+          <p:cNvSpPr txBox="1"/>
+          <p:nvPr/>
+        </p:nvSpPr>
+        <p:spPr>
+          <a:xfrm>
+            <a:off x="5994400" y="394299"/>
+            <a:ext cx="2444750" cy="461665"/>
+          </a:xfrm>
+          <a:prstGeom prst="rect">
+            <a:avLst/>
+          </a:prstGeom>
+          <a:noFill/>
+        </p:spPr>
+        <p:txBody>
+          <a:bodyPr wrap="square" rtlCol="0">
+            <a:spAutoFit/>
+          </a:bodyPr>
+          <a:lstStyle/>
+          <a:p>
+            <a:r>
+              <a:rPr kumimoji="1" lang="ja-JP" altLang="en-US" sz="2400" dirty="0">
+                <a:solidFill>
+                  <a:schemeClr val="bg1"/>
+                </a:solidFill>
+              </a:rPr>
+              <a:t>外部ファイル化</a:t>
+            </a:r>
+          </a:p>
+        </p:txBody>
+      </p:sp>
+      <p:sp>
+        <p:nvSpPr>
+          <p:cNvPr id="6" name="テキスト ボックス 5">
+            <a:extLst>
+              <a:ext uri="{FF2B5EF4-FFF2-40B4-BE49-F238E27FC236}">
+                <a16:creationId xmlns:a16="http://schemas.microsoft.com/office/drawing/2014/main" id="{CDCCE7E7-9D2A-7D51-A0BD-E405F7721D5E}"/>
+              </a:ext>
+            </a:extLst>
+          </p:cNvPr>
+          <p:cNvSpPr txBox="1"/>
+          <p:nvPr/>
+        </p:nvSpPr>
+        <p:spPr>
+          <a:xfrm>
+            <a:off x="187690" y="2652956"/>
+            <a:ext cx="3884486" cy="923330"/>
+          </a:xfrm>
+          <a:prstGeom prst="rect">
+            <a:avLst/>
+          </a:prstGeom>
+          <a:noFill/>
+        </p:spPr>
+        <p:txBody>
+          <a:bodyPr wrap="square">
+            <a:spAutoFit/>
+          </a:bodyPr>
+          <a:lstStyle/>
+          <a:p>
+            <a:r>
+              <a:rPr lang="ja-JP" altLang="en-US" dirty="0"/>
+              <a:t>プレイヤーや罠、敵のステータス、</a:t>
+            </a:r>
+            <a:endParaRPr lang="en-US" altLang="ja-JP" dirty="0"/>
+          </a:p>
+          <a:p>
+            <a:r>
+              <a:rPr lang="ja-JP" altLang="en-US" dirty="0"/>
+              <a:t>各ステージ情報や敵の出現情報など</a:t>
+            </a:r>
+            <a:endParaRPr lang="en-US" altLang="ja-JP" dirty="0"/>
+          </a:p>
+          <a:p>
+            <a:r>
+              <a:rPr lang="ja-JP" altLang="en-US" dirty="0"/>
+              <a:t>を外部ファイルで管理している。</a:t>
+            </a:r>
+          </a:p>
+        </p:txBody>
+      </p:sp>
       <p:pic>
         <p:nvPicPr>
-          <p:cNvPr id="5" name="コンテンツ プレースホルダー 4">
-            <a:extLst>
-              <a:ext uri="{FF2B5EF4-FFF2-40B4-BE49-F238E27FC236}">
-                <a16:creationId xmlns:a16="http://schemas.microsoft.com/office/drawing/2014/main" id="{80508A92-B1A8-4943-A8DE-5BC3C10C8D47}"/>
+          <p:cNvPr id="9" name="図 8" descr="テーブル">
+            <a:extLst>
+              <a:ext uri="{FF2B5EF4-FFF2-40B4-BE49-F238E27FC236}">
+                <a16:creationId xmlns:a16="http://schemas.microsoft.com/office/drawing/2014/main" id="{58D3A42A-1231-D9F3-6FC1-04300C458778}"/>
               </a:ext>
             </a:extLst>
           </p:cNvPr>
           <p:cNvPicPr>
-            <a:picLocks noGrp="1" noChangeAspect="1"/>
+            <a:picLocks noChangeAspect="1"/>
           </p:cNvPicPr>
-          <p:nvPr>
-            <p:ph idx="1"/>
-          </p:nvPr>
+          <p:nvPr/>
         </p:nvPicPr>
         <p:blipFill>
-          <a:blip r:embed="rId2">
+          <a:blip r:embed="rId3">
             <a:extLst>
               <a:ext uri="{28A0092B-C50C-407E-A947-70E740481C1C}">
                 <a14:useLocalDpi xmlns:a14="http://schemas.microsoft.com/office/drawing/2010/main" val="0"/>
@@ -6060,47 +6480,270 @@
         </p:blipFill>
         <p:spPr>
           <a:xfrm>
-            <a:off x="0" y="0"/>
-            <a:ext cx="12192000" cy="6858000"/>
-          </a:xfrm>
+            <a:off x="6555307" y="1755741"/>
+            <a:ext cx="5334702" cy="1015412"/>
+          </a:xfrm>
+          <a:prstGeom prst="rect">
+            <a:avLst/>
+          </a:prstGeom>
+          <a:ln w="88900" cap="sq" cmpd="thickThin">
+            <a:solidFill>
+              <a:schemeClr val="accent1"/>
+            </a:solidFill>
+            <a:prstDash val="solid"/>
+            <a:miter lim="800000"/>
+          </a:ln>
+          <a:effectLst>
+            <a:innerShdw blurRad="76200">
+              <a:srgbClr val="000000"/>
+            </a:innerShdw>
+          </a:effectLst>
         </p:spPr>
       </p:pic>
-      <p:sp>
-        <p:nvSpPr>
-          <p:cNvPr id="2" name="タイトル 1">
-            <a:extLst>
-              <a:ext uri="{FF2B5EF4-FFF2-40B4-BE49-F238E27FC236}">
-                <a16:creationId xmlns:a16="http://schemas.microsoft.com/office/drawing/2014/main" id="{05F096B2-481E-478B-BC11-99B5311D103C}"/>
-              </a:ext>
-            </a:extLst>
-          </p:cNvPr>
-          <p:cNvSpPr>
-            <a:spLocks noGrp="1"/>
-          </p:cNvSpPr>
-          <p:nvPr>
-            <p:ph type="title"/>
-          </p:nvPr>
-        </p:nvSpPr>
-        <p:spPr>
-          <a:xfrm>
-            <a:off x="1833035" y="271993"/>
-            <a:ext cx="3263898" cy="583971"/>
-          </a:xfrm>
-        </p:spPr>
-        <p:txBody>
-          <a:bodyPr>
-            <a:normAutofit fontScale="90000"/>
+      <p:pic>
+        <p:nvPicPr>
+          <p:cNvPr id="11" name="図 10" descr="カレンダー&#10;&#10;低い精度で自動的に生成された説明">
+            <a:extLst>
+              <a:ext uri="{FF2B5EF4-FFF2-40B4-BE49-F238E27FC236}">
+                <a16:creationId xmlns:a16="http://schemas.microsoft.com/office/drawing/2014/main" id="{C759D429-AD01-E65B-BB78-EB1AB93C9971}"/>
+              </a:ext>
+            </a:extLst>
+          </p:cNvPr>
+          <p:cNvPicPr>
+            <a:picLocks noChangeAspect="1"/>
+          </p:cNvPicPr>
+          <p:nvPr/>
+        </p:nvPicPr>
+        <p:blipFill>
+          <a:blip r:embed="rId4">
+            <a:extLst>
+              <a:ext uri="{28A0092B-C50C-407E-A947-70E740481C1C}">
+                <a14:useLocalDpi xmlns:a14="http://schemas.microsoft.com/office/drawing/2010/main" val="0"/>
+              </a:ext>
+            </a:extLst>
+          </a:blip>
+          <a:stretch>
+            <a:fillRect/>
+          </a:stretch>
+        </p:blipFill>
+        <p:spPr>
+          <a:xfrm>
+            <a:off x="6555308" y="2973885"/>
+            <a:ext cx="5334701" cy="1712839"/>
+          </a:xfrm>
+          <a:prstGeom prst="rect">
+            <a:avLst/>
+          </a:prstGeom>
+          <a:ln w="88900" cap="sq" cmpd="thickThin">
+            <a:solidFill>
+              <a:schemeClr val="accent1"/>
+            </a:solidFill>
+            <a:prstDash val="solid"/>
+            <a:miter lim="800000"/>
+          </a:ln>
+          <a:effectLst>
+            <a:innerShdw blurRad="76200">
+              <a:srgbClr val="000000"/>
+            </a:innerShdw>
+          </a:effectLst>
+        </p:spPr>
+      </p:pic>
+      <p:pic>
+        <p:nvPicPr>
+          <p:cNvPr id="13" name="図 12">
+            <a:extLst>
+              <a:ext uri="{FF2B5EF4-FFF2-40B4-BE49-F238E27FC236}">
+                <a16:creationId xmlns:a16="http://schemas.microsoft.com/office/drawing/2014/main" id="{A439EEDC-2BF7-55B3-974C-5CC9814629E9}"/>
+              </a:ext>
+            </a:extLst>
+          </p:cNvPr>
+          <p:cNvPicPr>
+            <a:picLocks noChangeAspect="1"/>
+          </p:cNvPicPr>
+          <p:nvPr/>
+        </p:nvPicPr>
+        <p:blipFill>
+          <a:blip r:embed="rId5"/>
+          <a:stretch>
+            <a:fillRect/>
+          </a:stretch>
+        </p:blipFill>
+        <p:spPr>
+          <a:xfrm>
+            <a:off x="632598" y="5644097"/>
+            <a:ext cx="10926803" cy="789075"/>
+          </a:xfrm>
+          <a:prstGeom prst="rect">
+            <a:avLst/>
+          </a:prstGeom>
+          <a:ln w="88900" cap="sq" cmpd="thickThin">
+            <a:solidFill>
+              <a:schemeClr val="accent1"/>
+            </a:solidFill>
+            <a:prstDash val="solid"/>
+            <a:miter lim="800000"/>
+          </a:ln>
+          <a:effectLst>
+            <a:innerShdw blurRad="76200">
+              <a:srgbClr val="000000"/>
+            </a:innerShdw>
+          </a:effectLst>
+        </p:spPr>
+      </p:pic>
+      <p:sp>
+        <p:nvSpPr>
+          <p:cNvPr id="16" name="テキスト ボックス 15">
+            <a:extLst>
+              <a:ext uri="{FF2B5EF4-FFF2-40B4-BE49-F238E27FC236}">
+                <a16:creationId xmlns:a16="http://schemas.microsoft.com/office/drawing/2014/main" id="{6EC0CFE2-64A0-3F54-2165-42608B72D6DA}"/>
+              </a:ext>
+            </a:extLst>
+          </p:cNvPr>
+          <p:cNvSpPr txBox="1"/>
+          <p:nvPr/>
+        </p:nvSpPr>
+        <p:spPr>
+          <a:xfrm>
+            <a:off x="6555307" y="1386409"/>
+            <a:ext cx="1579921" cy="369332"/>
+          </a:xfrm>
+          <a:prstGeom prst="rect">
+            <a:avLst/>
+          </a:prstGeom>
+          <a:noFill/>
+        </p:spPr>
+        <p:txBody>
+          <a:bodyPr wrap="square" rtlCol="0">
+            <a:spAutoFit/>
           </a:bodyPr>
           <a:lstStyle/>
           <a:p>
             <a:r>
-              <a:rPr kumimoji="1" lang="ja-JP" altLang="en-US" dirty="0">
-                <a:solidFill>
-                  <a:schemeClr val="bg2"/>
-                </a:solidFill>
-              </a:rPr>
-              <a:t>最終制作作品</a:t>
-            </a:r>
+              <a:rPr kumimoji="1" lang="ja-JP" altLang="en-US" dirty="0"/>
+              <a:t>↓ステータス</a:t>
+            </a:r>
+          </a:p>
+        </p:txBody>
+      </p:sp>
+      <p:sp>
+        <p:nvSpPr>
+          <p:cNvPr id="17" name="テキスト ボックス 16">
+            <a:extLst>
+              <a:ext uri="{FF2B5EF4-FFF2-40B4-BE49-F238E27FC236}">
+                <a16:creationId xmlns:a16="http://schemas.microsoft.com/office/drawing/2014/main" id="{A86C703C-305A-6AF7-F62C-1247B4A1A690}"/>
+              </a:ext>
+            </a:extLst>
+          </p:cNvPr>
+          <p:cNvSpPr txBox="1"/>
+          <p:nvPr/>
+        </p:nvSpPr>
+        <p:spPr>
+          <a:xfrm>
+            <a:off x="691054" y="5219269"/>
+            <a:ext cx="2019950" cy="369332"/>
+          </a:xfrm>
+          <a:prstGeom prst="rect">
+            <a:avLst/>
+          </a:prstGeom>
+          <a:noFill/>
+        </p:spPr>
+        <p:txBody>
+          <a:bodyPr wrap="square" rtlCol="0">
+            <a:spAutoFit/>
+          </a:bodyPr>
+          <a:lstStyle/>
+          <a:p>
+            <a:r>
+              <a:rPr kumimoji="1" lang="ja-JP" altLang="en-US" dirty="0"/>
+              <a:t>↓</a:t>
+            </a:r>
+            <a:r>
+              <a:rPr lang="ja-JP" altLang="en-US" dirty="0"/>
+              <a:t>各ステージ情報</a:t>
+            </a:r>
+            <a:endParaRPr kumimoji="1" lang="ja-JP" altLang="en-US" dirty="0"/>
+          </a:p>
+        </p:txBody>
+      </p:sp>
+      <p:pic>
+        <p:nvPicPr>
+          <p:cNvPr id="20" name="図 19">
+            <a:extLst>
+              <a:ext uri="{FF2B5EF4-FFF2-40B4-BE49-F238E27FC236}">
+                <a16:creationId xmlns:a16="http://schemas.microsoft.com/office/drawing/2014/main" id="{A98365A2-3ED0-EBB3-96AB-46665436BE9C}"/>
+              </a:ext>
+            </a:extLst>
+          </p:cNvPr>
+          <p:cNvPicPr>
+            <a:picLocks noChangeAspect="1"/>
+          </p:cNvPicPr>
+          <p:nvPr/>
+        </p:nvPicPr>
+        <p:blipFill>
+          <a:blip r:embed="rId6"/>
+          <a:stretch>
+            <a:fillRect/>
+          </a:stretch>
+        </p:blipFill>
+        <p:spPr>
+          <a:xfrm>
+            <a:off x="4301830" y="1863757"/>
+            <a:ext cx="1794169" cy="2501728"/>
+          </a:xfrm>
+          <a:prstGeom prst="rect">
+            <a:avLst/>
+          </a:prstGeom>
+          <a:ln w="88900" cap="sq" cmpd="thickThin">
+            <a:solidFill>
+              <a:schemeClr val="accent1"/>
+            </a:solidFill>
+            <a:prstDash val="solid"/>
+            <a:miter lim="800000"/>
+          </a:ln>
+          <a:effectLst>
+            <a:innerShdw blurRad="76200">
+              <a:srgbClr val="000000"/>
+            </a:innerShdw>
+          </a:effectLst>
+        </p:spPr>
+      </p:pic>
+      <p:sp>
+        <p:nvSpPr>
+          <p:cNvPr id="22" name="テキスト ボックス 21">
+            <a:extLst>
+              <a:ext uri="{FF2B5EF4-FFF2-40B4-BE49-F238E27FC236}">
+                <a16:creationId xmlns:a16="http://schemas.microsoft.com/office/drawing/2014/main" id="{C9F67BED-5D17-F639-C8AD-40B194D32CB3}"/>
+              </a:ext>
+            </a:extLst>
+          </p:cNvPr>
+          <p:cNvSpPr txBox="1"/>
+          <p:nvPr/>
+        </p:nvSpPr>
+        <p:spPr>
+          <a:xfrm>
+            <a:off x="4233366" y="1402223"/>
+            <a:ext cx="2019950" cy="369332"/>
+          </a:xfrm>
+          <a:prstGeom prst="rect">
+            <a:avLst/>
+          </a:prstGeom>
+          <a:noFill/>
+        </p:spPr>
+        <p:txBody>
+          <a:bodyPr wrap="square" rtlCol="0">
+            <a:spAutoFit/>
+          </a:bodyPr>
+          <a:lstStyle/>
+          <a:p>
+            <a:r>
+              <a:rPr kumimoji="1" lang="ja-JP" altLang="en-US" dirty="0"/>
+              <a:t>↓</a:t>
+            </a:r>
+            <a:r>
+              <a:rPr lang="ja-JP" altLang="en-US" dirty="0"/>
+              <a:t>敵の出現情報</a:t>
+            </a:r>
+            <a:endParaRPr kumimoji="1" lang="ja-JP" altLang="en-US" dirty="0"/>
           </a:p>
         </p:txBody>
       </p:sp>

--- a/プレゼンテーション1.pptx
+++ b/プレゼンテーション1.pptx
@@ -266,7 +266,7 @@
           <a:p>
             <a:fld id="{E3D9D85B-D36D-419D-B8F2-64435E90C5E7}" type="datetimeFigureOut">
               <a:rPr kumimoji="1" lang="ja-JP" altLang="en-US" smtClean="0"/>
-              <a:t>2025/2/3</a:t>
+              <a:t>2025/2/5</a:t>
             </a:fld>
             <a:endParaRPr kumimoji="1" lang="ja-JP" altLang="en-US"/>
           </a:p>
@@ -496,7 +496,7 @@
           <a:p>
             <a:fld id="{E3D9D85B-D36D-419D-B8F2-64435E90C5E7}" type="datetimeFigureOut">
               <a:rPr kumimoji="1" lang="ja-JP" altLang="en-US" smtClean="0"/>
-              <a:t>2025/2/3</a:t>
+              <a:t>2025/2/5</a:t>
             </a:fld>
             <a:endParaRPr kumimoji="1" lang="ja-JP" altLang="en-US"/>
           </a:p>
@@ -736,7 +736,7 @@
           <a:p>
             <a:fld id="{E3D9D85B-D36D-419D-B8F2-64435E90C5E7}" type="datetimeFigureOut">
               <a:rPr kumimoji="1" lang="ja-JP" altLang="en-US" smtClean="0"/>
-              <a:t>2025/2/3</a:t>
+              <a:t>2025/2/5</a:t>
             </a:fld>
             <a:endParaRPr kumimoji="1" lang="ja-JP" altLang="en-US"/>
           </a:p>
@@ -966,7 +966,7 @@
           <a:p>
             <a:fld id="{E3D9D85B-D36D-419D-B8F2-64435E90C5E7}" type="datetimeFigureOut">
               <a:rPr kumimoji="1" lang="ja-JP" altLang="en-US" smtClean="0"/>
-              <a:t>2025/2/3</a:t>
+              <a:t>2025/2/5</a:t>
             </a:fld>
             <a:endParaRPr kumimoji="1" lang="ja-JP" altLang="en-US"/>
           </a:p>
@@ -1241,7 +1241,7 @@
           <a:p>
             <a:fld id="{E3D9D85B-D36D-419D-B8F2-64435E90C5E7}" type="datetimeFigureOut">
               <a:rPr kumimoji="1" lang="ja-JP" altLang="en-US" smtClean="0"/>
-              <a:t>2025/2/3</a:t>
+              <a:t>2025/2/5</a:t>
             </a:fld>
             <a:endParaRPr kumimoji="1" lang="ja-JP" altLang="en-US"/>
           </a:p>
@@ -1570,7 +1570,7 @@
           <a:p>
             <a:fld id="{E3D9D85B-D36D-419D-B8F2-64435E90C5E7}" type="datetimeFigureOut">
               <a:rPr kumimoji="1" lang="ja-JP" altLang="en-US" smtClean="0"/>
-              <a:t>2025/2/3</a:t>
+              <a:t>2025/2/5</a:t>
             </a:fld>
             <a:endParaRPr kumimoji="1" lang="ja-JP" altLang="en-US"/>
           </a:p>
@@ -2046,7 +2046,7 @@
           <a:p>
             <a:fld id="{E3D9D85B-D36D-419D-B8F2-64435E90C5E7}" type="datetimeFigureOut">
               <a:rPr kumimoji="1" lang="ja-JP" altLang="en-US" smtClean="0"/>
-              <a:t>2025/2/3</a:t>
+              <a:t>2025/2/5</a:t>
             </a:fld>
             <a:endParaRPr kumimoji="1" lang="ja-JP" altLang="en-US"/>
           </a:p>
@@ -2187,7 +2187,7 @@
           <a:p>
             <a:fld id="{E3D9D85B-D36D-419D-B8F2-64435E90C5E7}" type="datetimeFigureOut">
               <a:rPr kumimoji="1" lang="ja-JP" altLang="en-US" smtClean="0"/>
-              <a:t>2025/2/3</a:t>
+              <a:t>2025/2/5</a:t>
             </a:fld>
             <a:endParaRPr kumimoji="1" lang="ja-JP" altLang="en-US"/>
           </a:p>
@@ -2300,7 +2300,7 @@
           <a:p>
             <a:fld id="{E3D9D85B-D36D-419D-B8F2-64435E90C5E7}" type="datetimeFigureOut">
               <a:rPr kumimoji="1" lang="ja-JP" altLang="en-US" smtClean="0"/>
-              <a:t>2025/2/3</a:t>
+              <a:t>2025/2/5</a:t>
             </a:fld>
             <a:endParaRPr kumimoji="1" lang="ja-JP" altLang="en-US"/>
           </a:p>
@@ -2643,7 +2643,7 @@
           <a:p>
             <a:fld id="{E3D9D85B-D36D-419D-B8F2-64435E90C5E7}" type="datetimeFigureOut">
               <a:rPr kumimoji="1" lang="ja-JP" altLang="en-US" smtClean="0"/>
-              <a:t>2025/2/3</a:t>
+              <a:t>2025/2/5</a:t>
             </a:fld>
             <a:endParaRPr kumimoji="1" lang="ja-JP" altLang="en-US"/>
           </a:p>
@@ -2931,7 +2931,7 @@
           <a:p>
             <a:fld id="{E3D9D85B-D36D-419D-B8F2-64435E90C5E7}" type="datetimeFigureOut">
               <a:rPr kumimoji="1" lang="ja-JP" altLang="en-US" smtClean="0"/>
-              <a:t>2025/2/3</a:t>
+              <a:t>2025/2/5</a:t>
             </a:fld>
             <a:endParaRPr kumimoji="1" lang="ja-JP" altLang="en-US"/>
           </a:p>
@@ -3204,7 +3204,7 @@
           <a:p>
             <a:fld id="{E3D9D85B-D36D-419D-B8F2-64435E90C5E7}" type="datetimeFigureOut">
               <a:rPr kumimoji="1" lang="ja-JP" altLang="en-US" smtClean="0"/>
-              <a:t>2025/2/3</a:t>
+              <a:t>2025/2/5</a:t>
             </a:fld>
             <a:endParaRPr kumimoji="1" lang="ja-JP" altLang="en-US"/>
           </a:p>
@@ -6008,14 +6008,14 @@
           <a:p>
             <a:r>
               <a:rPr lang="ja-JP" altLang="en-US" dirty="0"/>
-              <a:t>各オブジェクトに「スルータグ」という、このタグが付いているオブジェクトとは当たり判定を行わないというデータを持たせ、当たり判定を行う相手のタグが「スルータグ」に含まれていたらそもそも当たり判定を行わないという処理をしている。</a:t>
+              <a:t>各オブジェクトに「スルータグ」という、このタグが付いているオブジェクトとは当たり判定を行わないというデータを持たせ、当たり判定を行う相手のタグが「スルータグ」に含まれていたらそもそも当たり判定を行わないという処理をしています。</a:t>
             </a:r>
             <a:endParaRPr lang="en-US" altLang="ja-JP" dirty="0"/>
           </a:p>
           <a:p>
             <a:r>
               <a:rPr lang="ja-JP" altLang="en-US" dirty="0"/>
-              <a:t>当たり判定を行う必要がないオブジェクト同士の当たり判定の膨大な計算を省略することで、計算負荷を軽減させることができた。</a:t>
+              <a:t>当たり判定を行う必要がないオブジェクト同士の当たり判定の膨大な計算を省略することで、計算負荷を軽減させることができました。</a:t>
             </a:r>
           </a:p>
         </p:txBody>
@@ -6447,7 +6447,7 @@
           <a:p>
             <a:r>
               <a:rPr lang="ja-JP" altLang="en-US" dirty="0"/>
-              <a:t>を外部ファイルで管理している。</a:t>
+              <a:t>を外部ファイルで管理しています。</a:t>
             </a:r>
           </a:p>
         </p:txBody>

--- a/プレゼンテーション1.pptx
+++ b/プレゼンテーション1.pptx
@@ -7,12 +7,11 @@
   <p:sldIdLst>
     <p:sldId id="257" r:id="rId2"/>
     <p:sldId id="258" r:id="rId3"/>
-    <p:sldId id="260" r:id="rId4"/>
-    <p:sldId id="259" r:id="rId5"/>
-    <p:sldId id="261" r:id="rId6"/>
-    <p:sldId id="262" r:id="rId7"/>
-    <p:sldId id="263" r:id="rId8"/>
-    <p:sldId id="265" r:id="rId9"/>
+    <p:sldId id="259" r:id="rId4"/>
+    <p:sldId id="261" r:id="rId5"/>
+    <p:sldId id="262" r:id="rId6"/>
+    <p:sldId id="263" r:id="rId7"/>
+    <p:sldId id="265" r:id="rId8"/>
   </p:sldIdLst>
   <p:sldSz cx="12192000" cy="6858000"/>
   <p:notesSz cx="6858000" cy="9144000"/>
@@ -266,7 +265,7 @@
           <a:p>
             <a:fld id="{E3D9D85B-D36D-419D-B8F2-64435E90C5E7}" type="datetimeFigureOut">
               <a:rPr kumimoji="1" lang="ja-JP" altLang="en-US" smtClean="0"/>
-              <a:t>2025/2/5</a:t>
+              <a:t>2025/2/7</a:t>
             </a:fld>
             <a:endParaRPr kumimoji="1" lang="ja-JP" altLang="en-US"/>
           </a:p>
@@ -496,7 +495,7 @@
           <a:p>
             <a:fld id="{E3D9D85B-D36D-419D-B8F2-64435E90C5E7}" type="datetimeFigureOut">
               <a:rPr kumimoji="1" lang="ja-JP" altLang="en-US" smtClean="0"/>
-              <a:t>2025/2/5</a:t>
+              <a:t>2025/2/7</a:t>
             </a:fld>
             <a:endParaRPr kumimoji="1" lang="ja-JP" altLang="en-US"/>
           </a:p>
@@ -736,7 +735,7 @@
           <a:p>
             <a:fld id="{E3D9D85B-D36D-419D-B8F2-64435E90C5E7}" type="datetimeFigureOut">
               <a:rPr kumimoji="1" lang="ja-JP" altLang="en-US" smtClean="0"/>
-              <a:t>2025/2/5</a:t>
+              <a:t>2025/2/7</a:t>
             </a:fld>
             <a:endParaRPr kumimoji="1" lang="ja-JP" altLang="en-US"/>
           </a:p>
@@ -966,7 +965,7 @@
           <a:p>
             <a:fld id="{E3D9D85B-D36D-419D-B8F2-64435E90C5E7}" type="datetimeFigureOut">
               <a:rPr kumimoji="1" lang="ja-JP" altLang="en-US" smtClean="0"/>
-              <a:t>2025/2/5</a:t>
+              <a:t>2025/2/7</a:t>
             </a:fld>
             <a:endParaRPr kumimoji="1" lang="ja-JP" altLang="en-US"/>
           </a:p>
@@ -1241,7 +1240,7 @@
           <a:p>
             <a:fld id="{E3D9D85B-D36D-419D-B8F2-64435E90C5E7}" type="datetimeFigureOut">
               <a:rPr kumimoji="1" lang="ja-JP" altLang="en-US" smtClean="0"/>
-              <a:t>2025/2/5</a:t>
+              <a:t>2025/2/7</a:t>
             </a:fld>
             <a:endParaRPr kumimoji="1" lang="ja-JP" altLang="en-US"/>
           </a:p>
@@ -1570,7 +1569,7 @@
           <a:p>
             <a:fld id="{E3D9D85B-D36D-419D-B8F2-64435E90C5E7}" type="datetimeFigureOut">
               <a:rPr kumimoji="1" lang="ja-JP" altLang="en-US" smtClean="0"/>
-              <a:t>2025/2/5</a:t>
+              <a:t>2025/2/7</a:t>
             </a:fld>
             <a:endParaRPr kumimoji="1" lang="ja-JP" altLang="en-US"/>
           </a:p>
@@ -2046,7 +2045,7 @@
           <a:p>
             <a:fld id="{E3D9D85B-D36D-419D-B8F2-64435E90C5E7}" type="datetimeFigureOut">
               <a:rPr kumimoji="1" lang="ja-JP" altLang="en-US" smtClean="0"/>
-              <a:t>2025/2/5</a:t>
+              <a:t>2025/2/7</a:t>
             </a:fld>
             <a:endParaRPr kumimoji="1" lang="ja-JP" altLang="en-US"/>
           </a:p>
@@ -2187,7 +2186,7 @@
           <a:p>
             <a:fld id="{E3D9D85B-D36D-419D-B8F2-64435E90C5E7}" type="datetimeFigureOut">
               <a:rPr kumimoji="1" lang="ja-JP" altLang="en-US" smtClean="0"/>
-              <a:t>2025/2/5</a:t>
+              <a:t>2025/2/7</a:t>
             </a:fld>
             <a:endParaRPr kumimoji="1" lang="ja-JP" altLang="en-US"/>
           </a:p>
@@ -2300,7 +2299,7 @@
           <a:p>
             <a:fld id="{E3D9D85B-D36D-419D-B8F2-64435E90C5E7}" type="datetimeFigureOut">
               <a:rPr kumimoji="1" lang="ja-JP" altLang="en-US" smtClean="0"/>
-              <a:t>2025/2/5</a:t>
+              <a:t>2025/2/7</a:t>
             </a:fld>
             <a:endParaRPr kumimoji="1" lang="ja-JP" altLang="en-US"/>
           </a:p>
@@ -2643,7 +2642,7 @@
           <a:p>
             <a:fld id="{E3D9D85B-D36D-419D-B8F2-64435E90C5E7}" type="datetimeFigureOut">
               <a:rPr kumimoji="1" lang="ja-JP" altLang="en-US" smtClean="0"/>
-              <a:t>2025/2/5</a:t>
+              <a:t>2025/2/7</a:t>
             </a:fld>
             <a:endParaRPr kumimoji="1" lang="ja-JP" altLang="en-US"/>
           </a:p>
@@ -2931,7 +2930,7 @@
           <a:p>
             <a:fld id="{E3D9D85B-D36D-419D-B8F2-64435E90C5E7}" type="datetimeFigureOut">
               <a:rPr kumimoji="1" lang="ja-JP" altLang="en-US" smtClean="0"/>
-              <a:t>2025/2/5</a:t>
+              <a:t>2025/2/7</a:t>
             </a:fld>
             <a:endParaRPr kumimoji="1" lang="ja-JP" altLang="en-US"/>
           </a:p>
@@ -3204,7 +3203,7 @@
           <a:p>
             <a:fld id="{E3D9D85B-D36D-419D-B8F2-64435E90C5E7}" type="datetimeFigureOut">
               <a:rPr kumimoji="1" lang="ja-JP" altLang="en-US" smtClean="0"/>
-              <a:t>2025/2/5</a:t>
+              <a:t>2025/2/7</a:t>
             </a:fld>
             <a:endParaRPr kumimoji="1" lang="ja-JP" altLang="en-US"/>
           </a:p>
@@ -3742,10 +3741,15 @@
         </p:nvSpPr>
         <p:spPr/>
         <p:txBody>
-          <a:bodyPr/>
-          <a:lstStyle/>
-          <a:p>
-            <a:endParaRPr lang="ja-JP" altLang="en-US"/>
+          <a:bodyPr>
+            <a:normAutofit/>
+          </a:bodyPr>
+          <a:lstStyle/>
+          <a:p>
+            <a:r>
+              <a:rPr lang="ja-JP" altLang="en-US" sz="6600" dirty="0"/>
+              <a:t>ポートフォリオ</a:t>
+            </a:r>
           </a:p>
         </p:txBody>
       </p:sp>
@@ -4239,7 +4243,7 @@
         <p:spPr>
           <a:xfrm>
             <a:off x="1833035" y="271993"/>
-            <a:ext cx="3289298" cy="583971"/>
+            <a:ext cx="3255432" cy="583971"/>
           </a:xfrm>
         </p:spPr>
         <p:txBody>
@@ -4259,12 +4263,614 @@
           </a:p>
         </p:txBody>
       </p:sp>
-      <p:sp>
-        <p:nvSpPr>
-          <p:cNvPr id="7" name="テキスト ボックス 6">
-            <a:extLst>
-              <a:ext uri="{FF2B5EF4-FFF2-40B4-BE49-F238E27FC236}">
-                <a16:creationId xmlns:a16="http://schemas.microsoft.com/office/drawing/2014/main" id="{F0A6D66E-DBD7-421C-B568-96D842BB7163}"/>
+      <p:pic>
+        <p:nvPicPr>
+          <p:cNvPr id="8" name="図 7">
+            <a:extLst>
+              <a:ext uri="{FF2B5EF4-FFF2-40B4-BE49-F238E27FC236}">
+                <a16:creationId xmlns:a16="http://schemas.microsoft.com/office/drawing/2014/main" id="{9771CEEC-C31B-441E-97D9-E13B37DC4FE5}"/>
+              </a:ext>
+            </a:extLst>
+          </p:cNvPr>
+          <p:cNvPicPr>
+            <a:picLocks noChangeAspect="1"/>
+          </p:cNvPicPr>
+          <p:nvPr/>
+        </p:nvPicPr>
+        <p:blipFill>
+          <a:blip r:embed="rId3">
+            <a:extLst>
+              <a:ext uri="{28A0092B-C50C-407E-A947-70E740481C1C}">
+                <a14:useLocalDpi xmlns:a14="http://schemas.microsoft.com/office/drawing/2010/main" val="0"/>
+              </a:ext>
+            </a:extLst>
+          </a:blip>
+          <a:stretch>
+            <a:fillRect/>
+          </a:stretch>
+        </p:blipFill>
+        <p:spPr>
+          <a:xfrm>
+            <a:off x="8534019" y="5325311"/>
+            <a:ext cx="1259104" cy="1384582"/>
+          </a:xfrm>
+          <a:prstGeom prst="rect">
+            <a:avLst/>
+          </a:prstGeom>
+        </p:spPr>
+      </p:pic>
+      <p:pic>
+        <p:nvPicPr>
+          <p:cNvPr id="10" name="図 9">
+            <a:extLst>
+              <a:ext uri="{FF2B5EF4-FFF2-40B4-BE49-F238E27FC236}">
+                <a16:creationId xmlns:a16="http://schemas.microsoft.com/office/drawing/2014/main" id="{325DA593-598C-4990-989B-47B618C69AE9}"/>
+              </a:ext>
+            </a:extLst>
+          </p:cNvPr>
+          <p:cNvPicPr>
+            <a:picLocks noChangeAspect="1"/>
+          </p:cNvPicPr>
+          <p:nvPr/>
+        </p:nvPicPr>
+        <p:blipFill>
+          <a:blip r:embed="rId4">
+            <a:extLst>
+              <a:ext uri="{28A0092B-C50C-407E-A947-70E740481C1C}">
+                <a14:useLocalDpi xmlns:a14="http://schemas.microsoft.com/office/drawing/2010/main" val="0"/>
+              </a:ext>
+            </a:extLst>
+          </a:blip>
+          <a:stretch>
+            <a:fillRect/>
+          </a:stretch>
+        </p:blipFill>
+        <p:spPr>
+          <a:xfrm>
+            <a:off x="7196879" y="4610740"/>
+            <a:ext cx="538382" cy="624523"/>
+          </a:xfrm>
+          <a:prstGeom prst="rect">
+            <a:avLst/>
+          </a:prstGeom>
+        </p:spPr>
+      </p:pic>
+      <p:sp>
+        <p:nvSpPr>
+          <p:cNvPr id="11" name="正方形/長方形 10">
+            <a:extLst>
+              <a:ext uri="{FF2B5EF4-FFF2-40B4-BE49-F238E27FC236}">
+                <a16:creationId xmlns:a16="http://schemas.microsoft.com/office/drawing/2014/main" id="{214BEE70-4508-4C96-A36E-DB0748EB6D65}"/>
+              </a:ext>
+            </a:extLst>
+          </p:cNvPr>
+          <p:cNvSpPr/>
+          <p:nvPr/>
+        </p:nvSpPr>
+        <p:spPr>
+          <a:xfrm>
+            <a:off x="7914296" y="6709894"/>
+            <a:ext cx="4277703" cy="148105"/>
+          </a:xfrm>
+          <a:prstGeom prst="rect">
+            <a:avLst/>
+          </a:prstGeom>
+        </p:spPr>
+        <p:style>
+          <a:lnRef idx="2">
+            <a:schemeClr val="accent1">
+              <a:shade val="50000"/>
+            </a:schemeClr>
+          </a:lnRef>
+          <a:fillRef idx="1">
+            <a:schemeClr val="accent1"/>
+          </a:fillRef>
+          <a:effectRef idx="0">
+            <a:schemeClr val="accent1"/>
+          </a:effectRef>
+          <a:fontRef idx="minor">
+            <a:schemeClr val="lt1"/>
+          </a:fontRef>
+        </p:style>
+        <p:txBody>
+          <a:bodyPr rtlCol="0" anchor="ctr"/>
+          <a:lstStyle/>
+          <a:p>
+            <a:pPr algn="ctr"/>
+            <a:endParaRPr kumimoji="1" lang="ja-JP" altLang="en-US"/>
+          </a:p>
+        </p:txBody>
+      </p:sp>
+      <p:sp>
+        <p:nvSpPr>
+          <p:cNvPr id="12" name="正方形/長方形 11">
+            <a:extLst>
+              <a:ext uri="{FF2B5EF4-FFF2-40B4-BE49-F238E27FC236}">
+                <a16:creationId xmlns:a16="http://schemas.microsoft.com/office/drawing/2014/main" id="{A651552D-C2AD-4AC0-B1A2-62D800D727F9}"/>
+              </a:ext>
+            </a:extLst>
+          </p:cNvPr>
+          <p:cNvSpPr/>
+          <p:nvPr/>
+        </p:nvSpPr>
+        <p:spPr>
+          <a:xfrm>
+            <a:off x="12012963" y="4752304"/>
+            <a:ext cx="179037" cy="2105696"/>
+          </a:xfrm>
+          <a:prstGeom prst="rect">
+            <a:avLst/>
+          </a:prstGeom>
+        </p:spPr>
+        <p:style>
+          <a:lnRef idx="2">
+            <a:schemeClr val="accent1">
+              <a:shade val="50000"/>
+            </a:schemeClr>
+          </a:lnRef>
+          <a:fillRef idx="1">
+            <a:schemeClr val="accent1"/>
+          </a:fillRef>
+          <a:effectRef idx="0">
+            <a:schemeClr val="accent1"/>
+          </a:effectRef>
+          <a:fontRef idx="minor">
+            <a:schemeClr val="lt1"/>
+          </a:fontRef>
+        </p:style>
+        <p:txBody>
+          <a:bodyPr rtlCol="0" anchor="ctr"/>
+          <a:lstStyle/>
+          <a:p>
+            <a:pPr algn="ctr"/>
+            <a:endParaRPr kumimoji="1" lang="ja-JP" altLang="en-US"/>
+          </a:p>
+        </p:txBody>
+      </p:sp>
+      <p:cxnSp>
+        <p:nvCxnSpPr>
+          <p:cNvPr id="14" name="直線矢印コネクタ 13">
+            <a:extLst>
+              <a:ext uri="{FF2B5EF4-FFF2-40B4-BE49-F238E27FC236}">
+                <a16:creationId xmlns:a16="http://schemas.microsoft.com/office/drawing/2014/main" id="{37F85887-D4F2-4645-AA2D-104780DEDCE8}"/>
+              </a:ext>
+            </a:extLst>
+          </p:cNvPr>
+          <p:cNvCxnSpPr>
+            <a:cxnSpLocks/>
+            <a:stCxn id="10" idx="3"/>
+          </p:cNvCxnSpPr>
+          <p:nvPr/>
+        </p:nvCxnSpPr>
+        <p:spPr>
+          <a:xfrm>
+            <a:off x="7735261" y="4923002"/>
+            <a:ext cx="4277702" cy="0"/>
+          </a:xfrm>
+          <a:prstGeom prst="straightConnector1">
+            <a:avLst/>
+          </a:prstGeom>
+          <a:ln>
+            <a:tailEnd type="triangle"/>
+          </a:ln>
+        </p:spPr>
+        <p:style>
+          <a:lnRef idx="3">
+            <a:schemeClr val="accent2"/>
+          </a:lnRef>
+          <a:fillRef idx="0">
+            <a:schemeClr val="accent2"/>
+          </a:fillRef>
+          <a:effectRef idx="2">
+            <a:schemeClr val="accent2"/>
+          </a:effectRef>
+          <a:fontRef idx="minor">
+            <a:schemeClr val="tx1"/>
+          </a:fontRef>
+        </p:style>
+      </p:cxnSp>
+      <p:cxnSp>
+        <p:nvCxnSpPr>
+          <p:cNvPr id="21" name="直線矢印コネクタ 20">
+            <a:extLst>
+              <a:ext uri="{FF2B5EF4-FFF2-40B4-BE49-F238E27FC236}">
+                <a16:creationId xmlns:a16="http://schemas.microsoft.com/office/drawing/2014/main" id="{4305AED2-D4EB-49FA-984F-8FFBA16BE920}"/>
+              </a:ext>
+            </a:extLst>
+          </p:cNvPr>
+          <p:cNvCxnSpPr>
+            <a:cxnSpLocks/>
+          </p:cNvCxnSpPr>
+          <p:nvPr/>
+        </p:nvCxnSpPr>
+        <p:spPr>
+          <a:xfrm flipV="1">
+            <a:off x="9793123" y="4923004"/>
+            <a:ext cx="2219840" cy="430046"/>
+          </a:xfrm>
+          <a:prstGeom prst="straightConnector1">
+            <a:avLst/>
+          </a:prstGeom>
+          <a:ln>
+            <a:tailEnd type="triangle"/>
+          </a:ln>
+        </p:spPr>
+        <p:style>
+          <a:lnRef idx="1">
+            <a:schemeClr val="accent1"/>
+          </a:lnRef>
+          <a:fillRef idx="0">
+            <a:schemeClr val="accent1"/>
+          </a:fillRef>
+          <a:effectRef idx="0">
+            <a:schemeClr val="accent1"/>
+          </a:effectRef>
+          <a:fontRef idx="minor">
+            <a:schemeClr val="tx1"/>
+          </a:fontRef>
+        </p:style>
+      </p:cxnSp>
+      <p:pic>
+        <p:nvPicPr>
+          <p:cNvPr id="26" name="図 25">
+            <a:extLst>
+              <a:ext uri="{FF2B5EF4-FFF2-40B4-BE49-F238E27FC236}">
+                <a16:creationId xmlns:a16="http://schemas.microsoft.com/office/drawing/2014/main" id="{5307F262-8CB3-4C2B-B8A8-34DF1A074822}"/>
+              </a:ext>
+            </a:extLst>
+          </p:cNvPr>
+          <p:cNvPicPr>
+            <a:picLocks noChangeAspect="1"/>
+          </p:cNvPicPr>
+          <p:nvPr/>
+        </p:nvPicPr>
+        <p:blipFill>
+          <a:blip r:embed="rId3">
+            <a:extLst>
+              <a:ext uri="{28A0092B-C50C-407E-A947-70E740481C1C}">
+                <a14:useLocalDpi xmlns:a14="http://schemas.microsoft.com/office/drawing/2010/main" val="0"/>
+              </a:ext>
+            </a:extLst>
+          </a:blip>
+          <a:stretch>
+            <a:fillRect/>
+          </a:stretch>
+        </p:blipFill>
+        <p:spPr>
+          <a:xfrm>
+            <a:off x="8143170" y="2295712"/>
+            <a:ext cx="1259104" cy="1384582"/>
+          </a:xfrm>
+          <a:prstGeom prst="rect">
+            <a:avLst/>
+          </a:prstGeom>
+        </p:spPr>
+      </p:pic>
+      <p:pic>
+        <p:nvPicPr>
+          <p:cNvPr id="27" name="図 26">
+            <a:extLst>
+              <a:ext uri="{FF2B5EF4-FFF2-40B4-BE49-F238E27FC236}">
+                <a16:creationId xmlns:a16="http://schemas.microsoft.com/office/drawing/2014/main" id="{67BCD610-C51F-4929-B067-5F7C5594FFF4}"/>
+              </a:ext>
+            </a:extLst>
+          </p:cNvPr>
+          <p:cNvPicPr>
+            <a:picLocks noChangeAspect="1"/>
+          </p:cNvPicPr>
+          <p:nvPr/>
+        </p:nvPicPr>
+        <p:blipFill>
+          <a:blip r:embed="rId4">
+            <a:extLst>
+              <a:ext uri="{28A0092B-C50C-407E-A947-70E740481C1C}">
+                <a14:useLocalDpi xmlns:a14="http://schemas.microsoft.com/office/drawing/2010/main" val="0"/>
+              </a:ext>
+            </a:extLst>
+          </a:blip>
+          <a:stretch>
+            <a:fillRect/>
+          </a:stretch>
+        </p:blipFill>
+        <p:spPr>
+          <a:xfrm rot="1310338">
+            <a:off x="7375914" y="1199275"/>
+            <a:ext cx="538382" cy="624523"/>
+          </a:xfrm>
+          <a:prstGeom prst="rect">
+            <a:avLst/>
+          </a:prstGeom>
+        </p:spPr>
+      </p:pic>
+      <p:sp>
+        <p:nvSpPr>
+          <p:cNvPr id="28" name="正方形/長方形 27">
+            <a:extLst>
+              <a:ext uri="{FF2B5EF4-FFF2-40B4-BE49-F238E27FC236}">
+                <a16:creationId xmlns:a16="http://schemas.microsoft.com/office/drawing/2014/main" id="{33B9D7B6-DFCD-47F4-9A0E-684BD7D65229}"/>
+              </a:ext>
+            </a:extLst>
+          </p:cNvPr>
+          <p:cNvSpPr/>
+          <p:nvPr/>
+        </p:nvSpPr>
+        <p:spPr>
+          <a:xfrm>
+            <a:off x="7914296" y="3680295"/>
+            <a:ext cx="4277703" cy="148105"/>
+          </a:xfrm>
+          <a:prstGeom prst="rect">
+            <a:avLst/>
+          </a:prstGeom>
+        </p:spPr>
+        <p:style>
+          <a:lnRef idx="2">
+            <a:schemeClr val="accent1">
+              <a:shade val="50000"/>
+            </a:schemeClr>
+          </a:lnRef>
+          <a:fillRef idx="1">
+            <a:schemeClr val="accent1"/>
+          </a:fillRef>
+          <a:effectRef idx="0">
+            <a:schemeClr val="accent1"/>
+          </a:effectRef>
+          <a:fontRef idx="minor">
+            <a:schemeClr val="lt1"/>
+          </a:fontRef>
+        </p:style>
+        <p:txBody>
+          <a:bodyPr rtlCol="0" anchor="ctr"/>
+          <a:lstStyle/>
+          <a:p>
+            <a:pPr algn="ctr"/>
+            <a:endParaRPr kumimoji="1" lang="ja-JP" altLang="en-US"/>
+          </a:p>
+        </p:txBody>
+      </p:sp>
+      <p:sp>
+        <p:nvSpPr>
+          <p:cNvPr id="29" name="正方形/長方形 28">
+            <a:extLst>
+              <a:ext uri="{FF2B5EF4-FFF2-40B4-BE49-F238E27FC236}">
+                <a16:creationId xmlns:a16="http://schemas.microsoft.com/office/drawing/2014/main" id="{17727ED1-0242-409C-867D-6A79CDB7533C}"/>
+              </a:ext>
+            </a:extLst>
+          </p:cNvPr>
+          <p:cNvSpPr/>
+          <p:nvPr/>
+        </p:nvSpPr>
+        <p:spPr>
+          <a:xfrm>
+            <a:off x="12012963" y="1722705"/>
+            <a:ext cx="179037" cy="2105696"/>
+          </a:xfrm>
+          <a:prstGeom prst="rect">
+            <a:avLst/>
+          </a:prstGeom>
+        </p:spPr>
+        <p:style>
+          <a:lnRef idx="2">
+            <a:schemeClr val="accent1">
+              <a:shade val="50000"/>
+            </a:schemeClr>
+          </a:lnRef>
+          <a:fillRef idx="1">
+            <a:schemeClr val="accent1"/>
+          </a:fillRef>
+          <a:effectRef idx="0">
+            <a:schemeClr val="accent1"/>
+          </a:effectRef>
+          <a:fontRef idx="minor">
+            <a:schemeClr val="lt1"/>
+          </a:fontRef>
+        </p:style>
+        <p:txBody>
+          <a:bodyPr rtlCol="0" anchor="ctr"/>
+          <a:lstStyle/>
+          <a:p>
+            <a:pPr algn="ctr"/>
+            <a:endParaRPr kumimoji="1" lang="ja-JP" altLang="en-US"/>
+          </a:p>
+        </p:txBody>
+      </p:sp>
+      <p:cxnSp>
+        <p:nvCxnSpPr>
+          <p:cNvPr id="30" name="直線矢印コネクタ 29">
+            <a:extLst>
+              <a:ext uri="{FF2B5EF4-FFF2-40B4-BE49-F238E27FC236}">
+                <a16:creationId xmlns:a16="http://schemas.microsoft.com/office/drawing/2014/main" id="{8BFBC104-5AB8-48D9-B23A-B1C10B02CC4D}"/>
+              </a:ext>
+            </a:extLst>
+          </p:cNvPr>
+          <p:cNvCxnSpPr>
+            <a:cxnSpLocks/>
+            <a:stCxn id="27" idx="3"/>
+          </p:cNvCxnSpPr>
+          <p:nvPr/>
+        </p:nvCxnSpPr>
+        <p:spPr>
+          <a:xfrm>
+            <a:off x="7894977" y="1611676"/>
+            <a:ext cx="4056725" cy="1205631"/>
+          </a:xfrm>
+          <a:prstGeom prst="straightConnector1">
+            <a:avLst/>
+          </a:prstGeom>
+          <a:ln>
+            <a:tailEnd type="triangle"/>
+          </a:ln>
+        </p:spPr>
+        <p:style>
+          <a:lnRef idx="3">
+            <a:schemeClr val="accent2"/>
+          </a:lnRef>
+          <a:fillRef idx="0">
+            <a:schemeClr val="accent2"/>
+          </a:fillRef>
+          <a:effectRef idx="2">
+            <a:schemeClr val="accent2"/>
+          </a:effectRef>
+          <a:fontRef idx="minor">
+            <a:schemeClr val="tx1"/>
+          </a:fontRef>
+        </p:style>
+      </p:cxnSp>
+      <p:cxnSp>
+        <p:nvCxnSpPr>
+          <p:cNvPr id="31" name="直線矢印コネクタ 30">
+            <a:extLst>
+              <a:ext uri="{FF2B5EF4-FFF2-40B4-BE49-F238E27FC236}">
+                <a16:creationId xmlns:a16="http://schemas.microsoft.com/office/drawing/2014/main" id="{D8964CC1-B86B-4C05-8E52-0A0D12344264}"/>
+              </a:ext>
+            </a:extLst>
+          </p:cNvPr>
+          <p:cNvCxnSpPr>
+            <a:cxnSpLocks/>
+          </p:cNvCxnSpPr>
+          <p:nvPr/>
+        </p:nvCxnSpPr>
+        <p:spPr>
+          <a:xfrm>
+            <a:off x="9402274" y="2311945"/>
+            <a:ext cx="1476403" cy="164306"/>
+          </a:xfrm>
+          <a:prstGeom prst="straightConnector1">
+            <a:avLst/>
+          </a:prstGeom>
+          <a:ln>
+            <a:tailEnd type="triangle"/>
+          </a:ln>
+        </p:spPr>
+        <p:style>
+          <a:lnRef idx="1">
+            <a:schemeClr val="accent1"/>
+          </a:lnRef>
+          <a:fillRef idx="0">
+            <a:schemeClr val="accent1"/>
+          </a:fillRef>
+          <a:effectRef idx="0">
+            <a:schemeClr val="accent1"/>
+          </a:effectRef>
+          <a:fontRef idx="minor">
+            <a:schemeClr val="tx1"/>
+          </a:fontRef>
+        </p:style>
+      </p:cxnSp>
+      <p:pic>
+        <p:nvPicPr>
+          <p:cNvPr id="25" name="図 24">
+            <a:extLst>
+              <a:ext uri="{FF2B5EF4-FFF2-40B4-BE49-F238E27FC236}">
+                <a16:creationId xmlns:a16="http://schemas.microsoft.com/office/drawing/2014/main" id="{4E7B5FB7-F21F-41DF-AF36-349EB45D1316}"/>
+              </a:ext>
+            </a:extLst>
+          </p:cNvPr>
+          <p:cNvPicPr>
+            <a:picLocks noChangeAspect="1"/>
+          </p:cNvPicPr>
+          <p:nvPr/>
+        </p:nvPicPr>
+        <p:blipFill>
+          <a:blip r:embed="rId5">
+            <a:extLst>
+              <a:ext uri="{28A0092B-C50C-407E-A947-70E740481C1C}">
+                <a14:useLocalDpi xmlns:a14="http://schemas.microsoft.com/office/drawing/2010/main" val="0"/>
+              </a:ext>
+            </a:extLst>
+          </a:blip>
+          <a:stretch>
+            <a:fillRect/>
+          </a:stretch>
+        </p:blipFill>
+        <p:spPr>
+          <a:xfrm>
+            <a:off x="10523232" y="2311945"/>
+            <a:ext cx="1310694" cy="1368349"/>
+          </a:xfrm>
+          <a:prstGeom prst="rect">
+            <a:avLst/>
+          </a:prstGeom>
+        </p:spPr>
+      </p:pic>
+      <p:pic>
+        <p:nvPicPr>
+          <p:cNvPr id="42" name="図 41">
+            <a:extLst>
+              <a:ext uri="{FF2B5EF4-FFF2-40B4-BE49-F238E27FC236}">
+                <a16:creationId xmlns:a16="http://schemas.microsoft.com/office/drawing/2014/main" id="{8F816C41-9AE8-4BD0-91DE-AEC5E1953E5B}"/>
+              </a:ext>
+            </a:extLst>
+          </p:cNvPr>
+          <p:cNvPicPr>
+            <a:picLocks noChangeAspect="1"/>
+          </p:cNvPicPr>
+          <p:nvPr/>
+        </p:nvPicPr>
+        <p:blipFill>
+          <a:blip r:embed="rId6">
+            <a:extLst>
+              <a:ext uri="{28A0092B-C50C-407E-A947-70E740481C1C}">
+                <a14:useLocalDpi xmlns:a14="http://schemas.microsoft.com/office/drawing/2010/main" val="0"/>
+              </a:ext>
+            </a:extLst>
+          </a:blip>
+          <a:stretch>
+            <a:fillRect/>
+          </a:stretch>
+        </p:blipFill>
+        <p:spPr>
+          <a:xfrm rot="20968347">
+            <a:off x="10169825" y="5168417"/>
+            <a:ext cx="706812" cy="87441"/>
+          </a:xfrm>
+          <a:prstGeom prst="rect">
+            <a:avLst/>
+          </a:prstGeom>
+        </p:spPr>
+      </p:pic>
+      <p:pic>
+        <p:nvPicPr>
+          <p:cNvPr id="45" name="図 44">
+            <a:extLst>
+              <a:ext uri="{FF2B5EF4-FFF2-40B4-BE49-F238E27FC236}">
+                <a16:creationId xmlns:a16="http://schemas.microsoft.com/office/drawing/2014/main" id="{24190BEB-438A-4E26-AFD5-59DDBDEF5F11}"/>
+              </a:ext>
+            </a:extLst>
+          </p:cNvPr>
+          <p:cNvPicPr>
+            <a:picLocks noChangeAspect="1"/>
+          </p:cNvPicPr>
+          <p:nvPr/>
+        </p:nvPicPr>
+        <p:blipFill>
+          <a:blip r:embed="rId6">
+            <a:extLst>
+              <a:ext uri="{28A0092B-C50C-407E-A947-70E740481C1C}">
+                <a14:useLocalDpi xmlns:a14="http://schemas.microsoft.com/office/drawing/2010/main" val="0"/>
+              </a:ext>
+            </a:extLst>
+          </a:blip>
+          <a:stretch>
+            <a:fillRect/>
+          </a:stretch>
+        </p:blipFill>
+        <p:spPr>
+          <a:xfrm rot="365102">
+            <a:off x="9739560" y="2360418"/>
+            <a:ext cx="706812" cy="87441"/>
+          </a:xfrm>
+          <a:prstGeom prst="rect">
+            <a:avLst/>
+          </a:prstGeom>
+        </p:spPr>
+      </p:pic>
+      <p:sp>
+        <p:nvSpPr>
+          <p:cNvPr id="46" name="テキスト ボックス 45">
+            <a:extLst>
+              <a:ext uri="{FF2B5EF4-FFF2-40B4-BE49-F238E27FC236}">
+                <a16:creationId xmlns:a16="http://schemas.microsoft.com/office/drawing/2014/main" id="{AA776F5B-8F89-417D-A719-84DB4A375028}"/>
               </a:ext>
             </a:extLst>
           </p:cNvPr>
@@ -4288,25 +4894,164 @@
           <a:lstStyle/>
           <a:p>
             <a:r>
-              <a:rPr lang="ja-JP" altLang="en-US" sz="2400" dirty="0">
+              <a:rPr kumimoji="1" lang="ja-JP" altLang="en-US" sz="2400" dirty="0">
                 <a:solidFill>
                   <a:schemeClr val="bg1"/>
                 </a:solidFill>
               </a:rPr>
-              <a:t>ゲーム概要</a:t>
-            </a:r>
-            <a:endParaRPr kumimoji="1" lang="ja-JP" altLang="en-US" sz="2400" dirty="0">
-              <a:solidFill>
-                <a:schemeClr val="bg1"/>
-              </a:solidFill>
-            </a:endParaRPr>
+              <a:t>プレイヤー</a:t>
+            </a:r>
+          </a:p>
+        </p:txBody>
+      </p:sp>
+      <p:sp>
+        <p:nvSpPr>
+          <p:cNvPr id="43" name="テキスト ボックス 42">
+            <a:extLst>
+              <a:ext uri="{FF2B5EF4-FFF2-40B4-BE49-F238E27FC236}">
+                <a16:creationId xmlns:a16="http://schemas.microsoft.com/office/drawing/2014/main" id="{B8683AC8-B1B0-453D-ACE2-A1B940087A0E}"/>
+              </a:ext>
+            </a:extLst>
+          </p:cNvPr>
+          <p:cNvSpPr txBox="1"/>
+          <p:nvPr/>
+        </p:nvSpPr>
+        <p:spPr>
+          <a:xfrm>
+            <a:off x="9608909" y="1422883"/>
+            <a:ext cx="2243668" cy="369332"/>
+          </a:xfrm>
+          <a:prstGeom prst="rect">
+            <a:avLst/>
+          </a:prstGeom>
+          <a:noFill/>
+        </p:spPr>
+        <p:txBody>
+          <a:bodyPr wrap="square" rtlCol="0">
+            <a:spAutoFit/>
+          </a:bodyPr>
+          <a:lstStyle/>
+          <a:p>
+            <a:r>
+              <a:rPr lang="ja-JP" altLang="en-US" dirty="0"/>
+              <a:t>↓</a:t>
+            </a:r>
+            <a:r>
+              <a:rPr kumimoji="1" lang="ja-JP" altLang="en-US" dirty="0"/>
+              <a:t>敵を見ているとき</a:t>
+            </a:r>
+          </a:p>
+        </p:txBody>
+      </p:sp>
+      <p:sp>
+        <p:nvSpPr>
+          <p:cNvPr id="48" name="テキスト ボックス 47">
+            <a:extLst>
+              <a:ext uri="{FF2B5EF4-FFF2-40B4-BE49-F238E27FC236}">
+                <a16:creationId xmlns:a16="http://schemas.microsoft.com/office/drawing/2014/main" id="{7BA5A32C-56CE-46A5-A856-9D90586B859F}"/>
+              </a:ext>
+            </a:extLst>
+          </p:cNvPr>
+          <p:cNvSpPr txBox="1"/>
+          <p:nvPr/>
+        </p:nvSpPr>
+        <p:spPr>
+          <a:xfrm>
+            <a:off x="9608909" y="4422991"/>
+            <a:ext cx="2342793" cy="369332"/>
+          </a:xfrm>
+          <a:prstGeom prst="rect">
+            <a:avLst/>
+          </a:prstGeom>
+          <a:noFill/>
+        </p:spPr>
+        <p:txBody>
+          <a:bodyPr wrap="square" rtlCol="0">
+            <a:spAutoFit/>
+          </a:bodyPr>
+          <a:lstStyle/>
+          <a:p>
+            <a:r>
+              <a:rPr kumimoji="1" lang="ja-JP" altLang="en-US" dirty="0"/>
+              <a:t>↓壁を見ているとき</a:t>
+            </a:r>
+          </a:p>
+        </p:txBody>
+      </p:sp>
+      <p:sp>
+        <p:nvSpPr>
+          <p:cNvPr id="47" name="テキスト ボックス 46">
+            <a:extLst>
+              <a:ext uri="{FF2B5EF4-FFF2-40B4-BE49-F238E27FC236}">
+                <a16:creationId xmlns:a16="http://schemas.microsoft.com/office/drawing/2014/main" id="{7E4789C3-DBF2-4302-B4E3-CE0CBB2B047A}"/>
+              </a:ext>
+            </a:extLst>
+          </p:cNvPr>
+          <p:cNvSpPr txBox="1"/>
+          <p:nvPr/>
+        </p:nvSpPr>
+        <p:spPr>
+          <a:xfrm>
+            <a:off x="747552" y="2372941"/>
+            <a:ext cx="5819775" cy="2862322"/>
+          </a:xfrm>
+          <a:prstGeom prst="rect">
+            <a:avLst/>
+          </a:prstGeom>
+          <a:noFill/>
+        </p:spPr>
+        <p:txBody>
+          <a:bodyPr wrap="square" rtlCol="0">
+            <a:spAutoFit/>
+          </a:bodyPr>
+          <a:lstStyle/>
+          <a:p>
+            <a:r>
+              <a:rPr kumimoji="1" lang="ja-JP" altLang="en-US" dirty="0"/>
+              <a:t>プレイヤーの遠距離攻撃は、</a:t>
+            </a:r>
+            <a:endParaRPr kumimoji="1" lang="en-US" altLang="ja-JP" dirty="0"/>
+          </a:p>
+          <a:p>
+            <a:r>
+              <a:rPr kumimoji="1" lang="ja-JP" altLang="en-US" dirty="0"/>
+              <a:t>カメラから飛ばしたレイが当たっている地形や敵の座標を計算してプレイヤーの手元から結果の座標をめがけて矢を発射するようにしている。</a:t>
+            </a:r>
+            <a:endParaRPr kumimoji="1" lang="en-US" altLang="ja-JP" dirty="0"/>
+          </a:p>
+          <a:p>
+            <a:endParaRPr lang="en-US" altLang="ja-JP" dirty="0"/>
+          </a:p>
+          <a:p>
+            <a:r>
+              <a:rPr kumimoji="1" lang="ja-JP" altLang="en-US" dirty="0"/>
+              <a:t>同じように、カメラから飛ばしたレイを使用して、</a:t>
+            </a:r>
+            <a:endParaRPr kumimoji="1" lang="en-US" altLang="ja-JP" dirty="0"/>
+          </a:p>
+          <a:p>
+            <a:r>
+              <a:rPr lang="ja-JP" altLang="en-US" dirty="0"/>
+              <a:t>罠を設置する場所も決定している。</a:t>
+            </a:r>
+            <a:endParaRPr lang="en-US" altLang="ja-JP" dirty="0"/>
+          </a:p>
+          <a:p>
+            <a:endParaRPr kumimoji="1" lang="en-US" altLang="ja-JP" dirty="0"/>
+          </a:p>
+          <a:p>
+            <a:r>
+              <a:rPr lang="ja-JP" altLang="en-US" dirty="0"/>
+              <a:t>このように実装することで、矢は照準通りに飛んでいき、罠は見ているところに設置できるようになった。</a:t>
+            </a:r>
+            <a:endParaRPr kumimoji="1" lang="ja-JP" altLang="en-US" dirty="0"/>
           </a:p>
         </p:txBody>
       </p:sp>
     </p:spTree>
     <p:extLst>
       <p:ext uri="{BB962C8B-B14F-4D97-AF65-F5344CB8AC3E}">
-        <p14:creationId xmlns:p14="http://schemas.microsoft.com/office/powerpoint/2010/main" val="2219223656"/>
+        <p14:creationId xmlns:p14="http://schemas.microsoft.com/office/powerpoint/2010/main" val="4025220581"/>
       </p:ext>
     </p:extLst>
   </p:cSld>
@@ -4387,7 +5132,7 @@
         <p:spPr>
           <a:xfrm>
             <a:off x="1833035" y="271993"/>
-            <a:ext cx="3255432" cy="583971"/>
+            <a:ext cx="3263898" cy="583971"/>
           </a:xfrm>
         </p:spPr>
         <p:txBody>
@@ -4407,12 +5152,51 @@
           </a:p>
         </p:txBody>
       </p:sp>
+      <p:sp>
+        <p:nvSpPr>
+          <p:cNvPr id="4" name="テキスト ボックス 3">
+            <a:extLst>
+              <a:ext uri="{FF2B5EF4-FFF2-40B4-BE49-F238E27FC236}">
+                <a16:creationId xmlns:a16="http://schemas.microsoft.com/office/drawing/2014/main" id="{662CFF19-55F7-43F6-88E9-700C5753F732}"/>
+              </a:ext>
+            </a:extLst>
+          </p:cNvPr>
+          <p:cNvSpPr txBox="1"/>
+          <p:nvPr/>
+        </p:nvSpPr>
+        <p:spPr>
+          <a:xfrm>
+            <a:off x="5994400" y="394299"/>
+            <a:ext cx="1100670" cy="461665"/>
+          </a:xfrm>
+          <a:prstGeom prst="rect">
+            <a:avLst/>
+          </a:prstGeom>
+          <a:noFill/>
+        </p:spPr>
+        <p:txBody>
+          <a:bodyPr wrap="square" rtlCol="0">
+            <a:spAutoFit/>
+          </a:bodyPr>
+          <a:lstStyle/>
+          <a:p>
+            <a:r>
+              <a:rPr kumimoji="1" lang="ja-JP" altLang="en-US" sz="2400" dirty="0">
+                <a:solidFill>
+                  <a:schemeClr val="bg1"/>
+                </a:solidFill>
+              </a:rPr>
+              <a:t>マップ</a:t>
+            </a:r>
+          </a:p>
+        </p:txBody>
+      </p:sp>
       <p:pic>
         <p:nvPicPr>
-          <p:cNvPr id="8" name="図 7">
-            <a:extLst>
-              <a:ext uri="{FF2B5EF4-FFF2-40B4-BE49-F238E27FC236}">
-                <a16:creationId xmlns:a16="http://schemas.microsoft.com/office/drawing/2014/main" id="{9771CEEC-C31B-441E-97D9-E13B37DC4FE5}"/>
+          <p:cNvPr id="6" name="図 5">
+            <a:extLst>
+              <a:ext uri="{FF2B5EF4-FFF2-40B4-BE49-F238E27FC236}">
+                <a16:creationId xmlns:a16="http://schemas.microsoft.com/office/drawing/2014/main" id="{1719F22B-5214-4609-88B4-D7DFB8CA6ECF}"/>
               </a:ext>
             </a:extLst>
           </p:cNvPr>
@@ -4421,7 +5205,7 @@
           </p:cNvPicPr>
           <p:nvPr/>
         </p:nvPicPr>
-        <p:blipFill>
+        <p:blipFill rotWithShape="1">
           <a:blip r:embed="rId3">
             <a:extLst>
               <a:ext uri="{28A0092B-C50C-407E-A947-70E740481C1C}">
@@ -4429,592 +5213,39 @@
               </a:ext>
             </a:extLst>
           </a:blip>
-          <a:stretch>
-            <a:fillRect/>
-          </a:stretch>
+          <a:srcRect l="13079" t="21802" r="17236" b="7432"/>
+          <a:stretch/>
         </p:blipFill>
         <p:spPr>
           <a:xfrm>
-            <a:off x="8534019" y="5325311"/>
-            <a:ext cx="1259104" cy="1384582"/>
+            <a:off x="5839829" y="2486025"/>
+            <a:ext cx="5933071" cy="2998093"/>
           </a:xfrm>
           <a:prstGeom prst="rect">
             <a:avLst/>
           </a:prstGeom>
+          <a:ln w="88900" cap="sq" cmpd="thickThin">
+            <a:solidFill>
+              <a:schemeClr val="accent1">
+                <a:lumMod val="75000"/>
+              </a:schemeClr>
+            </a:solidFill>
+            <a:prstDash val="solid"/>
+            <a:miter lim="800000"/>
+          </a:ln>
+          <a:effectLst>
+            <a:innerShdw blurRad="76200">
+              <a:srgbClr val="000000"/>
+            </a:innerShdw>
+          </a:effectLst>
         </p:spPr>
       </p:pic>
-      <p:pic>
-        <p:nvPicPr>
-          <p:cNvPr id="10" name="図 9">
-            <a:extLst>
-              <a:ext uri="{FF2B5EF4-FFF2-40B4-BE49-F238E27FC236}">
-                <a16:creationId xmlns:a16="http://schemas.microsoft.com/office/drawing/2014/main" id="{325DA593-598C-4990-989B-47B618C69AE9}"/>
-              </a:ext>
-            </a:extLst>
-          </p:cNvPr>
-          <p:cNvPicPr>
-            <a:picLocks noChangeAspect="1"/>
-          </p:cNvPicPr>
-          <p:nvPr/>
-        </p:nvPicPr>
-        <p:blipFill>
-          <a:blip r:embed="rId4">
-            <a:extLst>
-              <a:ext uri="{28A0092B-C50C-407E-A947-70E740481C1C}">
-                <a14:useLocalDpi xmlns:a14="http://schemas.microsoft.com/office/drawing/2010/main" val="0"/>
-              </a:ext>
-            </a:extLst>
-          </a:blip>
-          <a:stretch>
-            <a:fillRect/>
-          </a:stretch>
-        </p:blipFill>
-        <p:spPr>
-          <a:xfrm>
-            <a:off x="7196879" y="4610740"/>
-            <a:ext cx="538382" cy="624523"/>
-          </a:xfrm>
-          <a:prstGeom prst="rect">
-            <a:avLst/>
-          </a:prstGeom>
-        </p:spPr>
-      </p:pic>
-      <p:sp>
-        <p:nvSpPr>
-          <p:cNvPr id="11" name="正方形/長方形 10">
-            <a:extLst>
-              <a:ext uri="{FF2B5EF4-FFF2-40B4-BE49-F238E27FC236}">
-                <a16:creationId xmlns:a16="http://schemas.microsoft.com/office/drawing/2014/main" id="{214BEE70-4508-4C96-A36E-DB0748EB6D65}"/>
-              </a:ext>
-            </a:extLst>
-          </p:cNvPr>
-          <p:cNvSpPr/>
-          <p:nvPr/>
-        </p:nvSpPr>
-        <p:spPr>
-          <a:xfrm>
-            <a:off x="7914296" y="6709894"/>
-            <a:ext cx="4277703" cy="148105"/>
-          </a:xfrm>
-          <a:prstGeom prst="rect">
-            <a:avLst/>
-          </a:prstGeom>
-        </p:spPr>
-        <p:style>
-          <a:lnRef idx="2">
-            <a:schemeClr val="accent1">
-              <a:shade val="50000"/>
-            </a:schemeClr>
-          </a:lnRef>
-          <a:fillRef idx="1">
-            <a:schemeClr val="accent1"/>
-          </a:fillRef>
-          <a:effectRef idx="0">
-            <a:schemeClr val="accent1"/>
-          </a:effectRef>
-          <a:fontRef idx="minor">
-            <a:schemeClr val="lt1"/>
-          </a:fontRef>
-        </p:style>
-        <p:txBody>
-          <a:bodyPr rtlCol="0" anchor="ctr"/>
-          <a:lstStyle/>
-          <a:p>
-            <a:pPr algn="ctr"/>
-            <a:endParaRPr kumimoji="1" lang="ja-JP" altLang="en-US"/>
-          </a:p>
-        </p:txBody>
-      </p:sp>
-      <p:sp>
-        <p:nvSpPr>
-          <p:cNvPr id="12" name="正方形/長方形 11">
-            <a:extLst>
-              <a:ext uri="{FF2B5EF4-FFF2-40B4-BE49-F238E27FC236}">
-                <a16:creationId xmlns:a16="http://schemas.microsoft.com/office/drawing/2014/main" id="{A651552D-C2AD-4AC0-B1A2-62D800D727F9}"/>
-              </a:ext>
-            </a:extLst>
-          </p:cNvPr>
-          <p:cNvSpPr/>
-          <p:nvPr/>
-        </p:nvSpPr>
-        <p:spPr>
-          <a:xfrm>
-            <a:off x="12012963" y="4752304"/>
-            <a:ext cx="179037" cy="2105696"/>
-          </a:xfrm>
-          <a:prstGeom prst="rect">
-            <a:avLst/>
-          </a:prstGeom>
-        </p:spPr>
-        <p:style>
-          <a:lnRef idx="2">
-            <a:schemeClr val="accent1">
-              <a:shade val="50000"/>
-            </a:schemeClr>
-          </a:lnRef>
-          <a:fillRef idx="1">
-            <a:schemeClr val="accent1"/>
-          </a:fillRef>
-          <a:effectRef idx="0">
-            <a:schemeClr val="accent1"/>
-          </a:effectRef>
-          <a:fontRef idx="minor">
-            <a:schemeClr val="lt1"/>
-          </a:fontRef>
-        </p:style>
-        <p:txBody>
-          <a:bodyPr rtlCol="0" anchor="ctr"/>
-          <a:lstStyle/>
-          <a:p>
-            <a:pPr algn="ctr"/>
-            <a:endParaRPr kumimoji="1" lang="ja-JP" altLang="en-US"/>
-          </a:p>
-        </p:txBody>
-      </p:sp>
-      <p:cxnSp>
-        <p:nvCxnSpPr>
-          <p:cNvPr id="14" name="直線矢印コネクタ 13">
-            <a:extLst>
-              <a:ext uri="{FF2B5EF4-FFF2-40B4-BE49-F238E27FC236}">
-                <a16:creationId xmlns:a16="http://schemas.microsoft.com/office/drawing/2014/main" id="{37F85887-D4F2-4645-AA2D-104780DEDCE8}"/>
-              </a:ext>
-            </a:extLst>
-          </p:cNvPr>
-          <p:cNvCxnSpPr>
-            <a:cxnSpLocks/>
-            <a:stCxn id="10" idx="3"/>
-          </p:cNvCxnSpPr>
-          <p:nvPr/>
-        </p:nvCxnSpPr>
-        <p:spPr>
-          <a:xfrm>
-            <a:off x="7735261" y="4923002"/>
-            <a:ext cx="4277702" cy="0"/>
-          </a:xfrm>
-          <a:prstGeom prst="straightConnector1">
-            <a:avLst/>
-          </a:prstGeom>
-          <a:ln>
-            <a:tailEnd type="triangle"/>
-          </a:ln>
-        </p:spPr>
-        <p:style>
-          <a:lnRef idx="3">
-            <a:schemeClr val="accent2"/>
-          </a:lnRef>
-          <a:fillRef idx="0">
-            <a:schemeClr val="accent2"/>
-          </a:fillRef>
-          <a:effectRef idx="2">
-            <a:schemeClr val="accent2"/>
-          </a:effectRef>
-          <a:fontRef idx="minor">
-            <a:schemeClr val="tx1"/>
-          </a:fontRef>
-        </p:style>
-      </p:cxnSp>
-      <p:cxnSp>
-        <p:nvCxnSpPr>
-          <p:cNvPr id="21" name="直線矢印コネクタ 20">
-            <a:extLst>
-              <a:ext uri="{FF2B5EF4-FFF2-40B4-BE49-F238E27FC236}">
-                <a16:creationId xmlns:a16="http://schemas.microsoft.com/office/drawing/2014/main" id="{4305AED2-D4EB-49FA-984F-8FFBA16BE920}"/>
-              </a:ext>
-            </a:extLst>
-          </p:cNvPr>
-          <p:cNvCxnSpPr>
-            <a:cxnSpLocks/>
-          </p:cNvCxnSpPr>
-          <p:nvPr/>
-        </p:nvCxnSpPr>
-        <p:spPr>
-          <a:xfrm flipV="1">
-            <a:off x="9793123" y="4923004"/>
-            <a:ext cx="2219840" cy="430046"/>
-          </a:xfrm>
-          <a:prstGeom prst="straightConnector1">
-            <a:avLst/>
-          </a:prstGeom>
-          <a:ln>
-            <a:tailEnd type="triangle"/>
-          </a:ln>
-        </p:spPr>
-        <p:style>
-          <a:lnRef idx="1">
-            <a:schemeClr val="accent1"/>
-          </a:lnRef>
-          <a:fillRef idx="0">
-            <a:schemeClr val="accent1"/>
-          </a:fillRef>
-          <a:effectRef idx="0">
-            <a:schemeClr val="accent1"/>
-          </a:effectRef>
-          <a:fontRef idx="minor">
-            <a:schemeClr val="tx1"/>
-          </a:fontRef>
-        </p:style>
-      </p:cxnSp>
-      <p:pic>
-        <p:nvPicPr>
-          <p:cNvPr id="26" name="図 25">
-            <a:extLst>
-              <a:ext uri="{FF2B5EF4-FFF2-40B4-BE49-F238E27FC236}">
-                <a16:creationId xmlns:a16="http://schemas.microsoft.com/office/drawing/2014/main" id="{5307F262-8CB3-4C2B-B8A8-34DF1A074822}"/>
-              </a:ext>
-            </a:extLst>
-          </p:cNvPr>
-          <p:cNvPicPr>
-            <a:picLocks noChangeAspect="1"/>
-          </p:cNvPicPr>
-          <p:nvPr/>
-        </p:nvPicPr>
-        <p:blipFill>
-          <a:blip r:embed="rId3">
-            <a:extLst>
-              <a:ext uri="{28A0092B-C50C-407E-A947-70E740481C1C}">
-                <a14:useLocalDpi xmlns:a14="http://schemas.microsoft.com/office/drawing/2010/main" val="0"/>
-              </a:ext>
-            </a:extLst>
-          </a:blip>
-          <a:stretch>
-            <a:fillRect/>
-          </a:stretch>
-        </p:blipFill>
-        <p:spPr>
-          <a:xfrm>
-            <a:off x="8143170" y="2295712"/>
-            <a:ext cx="1259104" cy="1384582"/>
-          </a:xfrm>
-          <a:prstGeom prst="rect">
-            <a:avLst/>
-          </a:prstGeom>
-        </p:spPr>
-      </p:pic>
-      <p:pic>
-        <p:nvPicPr>
-          <p:cNvPr id="27" name="図 26">
-            <a:extLst>
-              <a:ext uri="{FF2B5EF4-FFF2-40B4-BE49-F238E27FC236}">
-                <a16:creationId xmlns:a16="http://schemas.microsoft.com/office/drawing/2014/main" id="{67BCD610-C51F-4929-B067-5F7C5594FFF4}"/>
-              </a:ext>
-            </a:extLst>
-          </p:cNvPr>
-          <p:cNvPicPr>
-            <a:picLocks noChangeAspect="1"/>
-          </p:cNvPicPr>
-          <p:nvPr/>
-        </p:nvPicPr>
-        <p:blipFill>
-          <a:blip r:embed="rId4">
-            <a:extLst>
-              <a:ext uri="{28A0092B-C50C-407E-A947-70E740481C1C}">
-                <a14:useLocalDpi xmlns:a14="http://schemas.microsoft.com/office/drawing/2010/main" val="0"/>
-              </a:ext>
-            </a:extLst>
-          </a:blip>
-          <a:stretch>
-            <a:fillRect/>
-          </a:stretch>
-        </p:blipFill>
-        <p:spPr>
-          <a:xfrm rot="1310338">
-            <a:off x="7375914" y="1199275"/>
-            <a:ext cx="538382" cy="624523"/>
-          </a:xfrm>
-          <a:prstGeom prst="rect">
-            <a:avLst/>
-          </a:prstGeom>
-        </p:spPr>
-      </p:pic>
-      <p:sp>
-        <p:nvSpPr>
-          <p:cNvPr id="28" name="正方形/長方形 27">
-            <a:extLst>
-              <a:ext uri="{FF2B5EF4-FFF2-40B4-BE49-F238E27FC236}">
-                <a16:creationId xmlns:a16="http://schemas.microsoft.com/office/drawing/2014/main" id="{33B9D7B6-DFCD-47F4-9A0E-684BD7D65229}"/>
-              </a:ext>
-            </a:extLst>
-          </p:cNvPr>
-          <p:cNvSpPr/>
-          <p:nvPr/>
-        </p:nvSpPr>
-        <p:spPr>
-          <a:xfrm>
-            <a:off x="7914296" y="3680295"/>
-            <a:ext cx="4277703" cy="148105"/>
-          </a:xfrm>
-          <a:prstGeom prst="rect">
-            <a:avLst/>
-          </a:prstGeom>
-        </p:spPr>
-        <p:style>
-          <a:lnRef idx="2">
-            <a:schemeClr val="accent1">
-              <a:shade val="50000"/>
-            </a:schemeClr>
-          </a:lnRef>
-          <a:fillRef idx="1">
-            <a:schemeClr val="accent1"/>
-          </a:fillRef>
-          <a:effectRef idx="0">
-            <a:schemeClr val="accent1"/>
-          </a:effectRef>
-          <a:fontRef idx="minor">
-            <a:schemeClr val="lt1"/>
-          </a:fontRef>
-        </p:style>
-        <p:txBody>
-          <a:bodyPr rtlCol="0" anchor="ctr"/>
-          <a:lstStyle/>
-          <a:p>
-            <a:pPr algn="ctr"/>
-            <a:endParaRPr kumimoji="1" lang="ja-JP" altLang="en-US"/>
-          </a:p>
-        </p:txBody>
-      </p:sp>
-      <p:sp>
-        <p:nvSpPr>
-          <p:cNvPr id="29" name="正方形/長方形 28">
-            <a:extLst>
-              <a:ext uri="{FF2B5EF4-FFF2-40B4-BE49-F238E27FC236}">
-                <a16:creationId xmlns:a16="http://schemas.microsoft.com/office/drawing/2014/main" id="{17727ED1-0242-409C-867D-6A79CDB7533C}"/>
-              </a:ext>
-            </a:extLst>
-          </p:cNvPr>
-          <p:cNvSpPr/>
-          <p:nvPr/>
-        </p:nvSpPr>
-        <p:spPr>
-          <a:xfrm>
-            <a:off x="12012963" y="1722705"/>
-            <a:ext cx="179037" cy="2105696"/>
-          </a:xfrm>
-          <a:prstGeom prst="rect">
-            <a:avLst/>
-          </a:prstGeom>
-        </p:spPr>
-        <p:style>
-          <a:lnRef idx="2">
-            <a:schemeClr val="accent1">
-              <a:shade val="50000"/>
-            </a:schemeClr>
-          </a:lnRef>
-          <a:fillRef idx="1">
-            <a:schemeClr val="accent1"/>
-          </a:fillRef>
-          <a:effectRef idx="0">
-            <a:schemeClr val="accent1"/>
-          </a:effectRef>
-          <a:fontRef idx="minor">
-            <a:schemeClr val="lt1"/>
-          </a:fontRef>
-        </p:style>
-        <p:txBody>
-          <a:bodyPr rtlCol="0" anchor="ctr"/>
-          <a:lstStyle/>
-          <a:p>
-            <a:pPr algn="ctr"/>
-            <a:endParaRPr kumimoji="1" lang="ja-JP" altLang="en-US"/>
-          </a:p>
-        </p:txBody>
-      </p:sp>
-      <p:cxnSp>
-        <p:nvCxnSpPr>
-          <p:cNvPr id="30" name="直線矢印コネクタ 29">
-            <a:extLst>
-              <a:ext uri="{FF2B5EF4-FFF2-40B4-BE49-F238E27FC236}">
-                <a16:creationId xmlns:a16="http://schemas.microsoft.com/office/drawing/2014/main" id="{8BFBC104-5AB8-48D9-B23A-B1C10B02CC4D}"/>
-              </a:ext>
-            </a:extLst>
-          </p:cNvPr>
-          <p:cNvCxnSpPr>
-            <a:cxnSpLocks/>
-            <a:stCxn id="27" idx="3"/>
-          </p:cNvCxnSpPr>
-          <p:nvPr/>
-        </p:nvCxnSpPr>
-        <p:spPr>
-          <a:xfrm>
-            <a:off x="7894977" y="1611676"/>
-            <a:ext cx="4056725" cy="1205631"/>
-          </a:xfrm>
-          <a:prstGeom prst="straightConnector1">
-            <a:avLst/>
-          </a:prstGeom>
-          <a:ln>
-            <a:tailEnd type="triangle"/>
-          </a:ln>
-        </p:spPr>
-        <p:style>
-          <a:lnRef idx="3">
-            <a:schemeClr val="accent2"/>
-          </a:lnRef>
-          <a:fillRef idx="0">
-            <a:schemeClr val="accent2"/>
-          </a:fillRef>
-          <a:effectRef idx="2">
-            <a:schemeClr val="accent2"/>
-          </a:effectRef>
-          <a:fontRef idx="minor">
-            <a:schemeClr val="tx1"/>
-          </a:fontRef>
-        </p:style>
-      </p:cxnSp>
-      <p:cxnSp>
-        <p:nvCxnSpPr>
-          <p:cNvPr id="31" name="直線矢印コネクタ 30">
-            <a:extLst>
-              <a:ext uri="{FF2B5EF4-FFF2-40B4-BE49-F238E27FC236}">
-                <a16:creationId xmlns:a16="http://schemas.microsoft.com/office/drawing/2014/main" id="{D8964CC1-B86B-4C05-8E52-0A0D12344264}"/>
-              </a:ext>
-            </a:extLst>
-          </p:cNvPr>
-          <p:cNvCxnSpPr>
-            <a:cxnSpLocks/>
-          </p:cNvCxnSpPr>
-          <p:nvPr/>
-        </p:nvCxnSpPr>
-        <p:spPr>
-          <a:xfrm>
-            <a:off x="9402274" y="2311945"/>
-            <a:ext cx="1476403" cy="164306"/>
-          </a:xfrm>
-          <a:prstGeom prst="straightConnector1">
-            <a:avLst/>
-          </a:prstGeom>
-          <a:ln>
-            <a:tailEnd type="triangle"/>
-          </a:ln>
-        </p:spPr>
-        <p:style>
-          <a:lnRef idx="1">
-            <a:schemeClr val="accent1"/>
-          </a:lnRef>
-          <a:fillRef idx="0">
-            <a:schemeClr val="accent1"/>
-          </a:fillRef>
-          <a:effectRef idx="0">
-            <a:schemeClr val="accent1"/>
-          </a:effectRef>
-          <a:fontRef idx="minor">
-            <a:schemeClr val="tx1"/>
-          </a:fontRef>
-        </p:style>
-      </p:cxnSp>
-      <p:pic>
-        <p:nvPicPr>
-          <p:cNvPr id="25" name="図 24">
-            <a:extLst>
-              <a:ext uri="{FF2B5EF4-FFF2-40B4-BE49-F238E27FC236}">
-                <a16:creationId xmlns:a16="http://schemas.microsoft.com/office/drawing/2014/main" id="{4E7B5FB7-F21F-41DF-AF36-349EB45D1316}"/>
-              </a:ext>
-            </a:extLst>
-          </p:cNvPr>
-          <p:cNvPicPr>
-            <a:picLocks noChangeAspect="1"/>
-          </p:cNvPicPr>
-          <p:nvPr/>
-        </p:nvPicPr>
-        <p:blipFill>
-          <a:blip r:embed="rId5">
-            <a:extLst>
-              <a:ext uri="{28A0092B-C50C-407E-A947-70E740481C1C}">
-                <a14:useLocalDpi xmlns:a14="http://schemas.microsoft.com/office/drawing/2010/main" val="0"/>
-              </a:ext>
-            </a:extLst>
-          </a:blip>
-          <a:stretch>
-            <a:fillRect/>
-          </a:stretch>
-        </p:blipFill>
-        <p:spPr>
-          <a:xfrm>
-            <a:off x="10523232" y="2311945"/>
-            <a:ext cx="1310694" cy="1368349"/>
-          </a:xfrm>
-          <a:prstGeom prst="rect">
-            <a:avLst/>
-          </a:prstGeom>
-        </p:spPr>
-      </p:pic>
-      <p:pic>
-        <p:nvPicPr>
-          <p:cNvPr id="42" name="図 41">
-            <a:extLst>
-              <a:ext uri="{FF2B5EF4-FFF2-40B4-BE49-F238E27FC236}">
-                <a16:creationId xmlns:a16="http://schemas.microsoft.com/office/drawing/2014/main" id="{8F816C41-9AE8-4BD0-91DE-AEC5E1953E5B}"/>
-              </a:ext>
-            </a:extLst>
-          </p:cNvPr>
-          <p:cNvPicPr>
-            <a:picLocks noChangeAspect="1"/>
-          </p:cNvPicPr>
-          <p:nvPr/>
-        </p:nvPicPr>
-        <p:blipFill>
-          <a:blip r:embed="rId6">
-            <a:extLst>
-              <a:ext uri="{28A0092B-C50C-407E-A947-70E740481C1C}">
-                <a14:useLocalDpi xmlns:a14="http://schemas.microsoft.com/office/drawing/2010/main" val="0"/>
-              </a:ext>
-            </a:extLst>
-          </a:blip>
-          <a:stretch>
-            <a:fillRect/>
-          </a:stretch>
-        </p:blipFill>
-        <p:spPr>
-          <a:xfrm rot="20968347">
-            <a:off x="10169825" y="5168417"/>
-            <a:ext cx="706812" cy="87441"/>
-          </a:xfrm>
-          <a:prstGeom prst="rect">
-            <a:avLst/>
-          </a:prstGeom>
-        </p:spPr>
-      </p:pic>
-      <p:pic>
-        <p:nvPicPr>
-          <p:cNvPr id="45" name="図 44">
-            <a:extLst>
-              <a:ext uri="{FF2B5EF4-FFF2-40B4-BE49-F238E27FC236}">
-                <a16:creationId xmlns:a16="http://schemas.microsoft.com/office/drawing/2014/main" id="{24190BEB-438A-4E26-AFD5-59DDBDEF5F11}"/>
-              </a:ext>
-            </a:extLst>
-          </p:cNvPr>
-          <p:cNvPicPr>
-            <a:picLocks noChangeAspect="1"/>
-          </p:cNvPicPr>
-          <p:nvPr/>
-        </p:nvPicPr>
-        <p:blipFill>
-          <a:blip r:embed="rId6">
-            <a:extLst>
-              <a:ext uri="{28A0092B-C50C-407E-A947-70E740481C1C}">
-                <a14:useLocalDpi xmlns:a14="http://schemas.microsoft.com/office/drawing/2010/main" val="0"/>
-              </a:ext>
-            </a:extLst>
-          </a:blip>
-          <a:stretch>
-            <a:fillRect/>
-          </a:stretch>
-        </p:blipFill>
-        <p:spPr>
-          <a:xfrm rot="365102">
-            <a:off x="9739560" y="2360418"/>
-            <a:ext cx="706812" cy="87441"/>
-          </a:xfrm>
-          <a:prstGeom prst="rect">
-            <a:avLst/>
-          </a:prstGeom>
-        </p:spPr>
-      </p:pic>
-      <p:sp>
-        <p:nvSpPr>
-          <p:cNvPr id="46" name="テキスト ボックス 45">
-            <a:extLst>
-              <a:ext uri="{FF2B5EF4-FFF2-40B4-BE49-F238E27FC236}">
-                <a16:creationId xmlns:a16="http://schemas.microsoft.com/office/drawing/2014/main" id="{AA776F5B-8F89-417D-A719-84DB4A375028}"/>
+      <p:sp>
+        <p:nvSpPr>
+          <p:cNvPr id="11" name="テキスト ボックス 10">
+            <a:extLst>
+              <a:ext uri="{FF2B5EF4-FFF2-40B4-BE49-F238E27FC236}">
+                <a16:creationId xmlns:a16="http://schemas.microsoft.com/office/drawing/2014/main" id="{241528FB-CCD4-4091-9704-46C182C0A82E}"/>
               </a:ext>
             </a:extLst>
           </p:cNvPr>
@@ -5023,8 +5254,8 @@
         </p:nvSpPr>
         <p:spPr>
           <a:xfrm>
-            <a:off x="5994399" y="394299"/>
-            <a:ext cx="1710267" cy="461665"/>
+            <a:off x="666750" y="3118318"/>
+            <a:ext cx="4362450" cy="1477328"/>
           </a:xfrm>
           <a:prstGeom prst="rect">
             <a:avLst/>
@@ -5038,164 +5269,39 @@
           <a:lstStyle/>
           <a:p>
             <a:r>
-              <a:rPr kumimoji="1" lang="ja-JP" altLang="en-US" sz="2400" dirty="0">
-                <a:solidFill>
-                  <a:schemeClr val="bg1"/>
-                </a:solidFill>
-              </a:rPr>
-              <a:t>プレイヤー</a:t>
-            </a:r>
-          </a:p>
-        </p:txBody>
-      </p:sp>
-      <p:sp>
-        <p:nvSpPr>
-          <p:cNvPr id="43" name="テキスト ボックス 42">
-            <a:extLst>
-              <a:ext uri="{FF2B5EF4-FFF2-40B4-BE49-F238E27FC236}">
-                <a16:creationId xmlns:a16="http://schemas.microsoft.com/office/drawing/2014/main" id="{B8683AC8-B1B0-453D-ACE2-A1B940087A0E}"/>
-              </a:ext>
-            </a:extLst>
-          </p:cNvPr>
-          <p:cNvSpPr txBox="1"/>
-          <p:nvPr/>
-        </p:nvSpPr>
-        <p:spPr>
-          <a:xfrm>
-            <a:off x="9608909" y="1422883"/>
-            <a:ext cx="2243668" cy="369332"/>
-          </a:xfrm>
-          <a:prstGeom prst="rect">
-            <a:avLst/>
-          </a:prstGeom>
-          <a:noFill/>
-        </p:spPr>
-        <p:txBody>
-          <a:bodyPr wrap="square" rtlCol="0">
-            <a:spAutoFit/>
-          </a:bodyPr>
-          <a:lstStyle/>
+              <a:rPr kumimoji="1" lang="en-US" altLang="ja-JP" dirty="0"/>
+              <a:t>Unity</a:t>
+            </a:r>
+            <a:r>
+              <a:rPr kumimoji="1" lang="ja-JP" altLang="en-US" dirty="0"/>
+              <a:t>をマップ制作ツールとして使用し、</a:t>
+            </a:r>
+            <a:endParaRPr kumimoji="1" lang="en-US" altLang="ja-JP" dirty="0"/>
+          </a:p>
           <a:p>
             <a:r>
               <a:rPr lang="ja-JP" altLang="en-US" dirty="0"/>
-              <a:t>↓</a:t>
-            </a:r>
+              <a:t>マップを作成しました。</a:t>
+            </a:r>
+            <a:endParaRPr lang="en-US" altLang="ja-JP" dirty="0"/>
+          </a:p>
+          <a:p>
             <a:r>
               <a:rPr kumimoji="1" lang="ja-JP" altLang="en-US" dirty="0"/>
-              <a:t>敵を見ているとき</a:t>
-            </a:r>
-          </a:p>
-        </p:txBody>
-      </p:sp>
-      <p:sp>
-        <p:nvSpPr>
-          <p:cNvPr id="48" name="テキスト ボックス 47">
-            <a:extLst>
-              <a:ext uri="{FF2B5EF4-FFF2-40B4-BE49-F238E27FC236}">
-                <a16:creationId xmlns:a16="http://schemas.microsoft.com/office/drawing/2014/main" id="{7BA5A32C-56CE-46A5-A856-9D90586B859F}"/>
-              </a:ext>
-            </a:extLst>
-          </p:cNvPr>
-          <p:cNvSpPr txBox="1"/>
-          <p:nvPr/>
-        </p:nvSpPr>
-        <p:spPr>
-          <a:xfrm>
-            <a:off x="9608909" y="4422991"/>
-            <a:ext cx="2342793" cy="369332"/>
-          </a:xfrm>
-          <a:prstGeom prst="rect">
-            <a:avLst/>
-          </a:prstGeom>
-          <a:noFill/>
-        </p:spPr>
-        <p:txBody>
-          <a:bodyPr wrap="square" rtlCol="0">
-            <a:spAutoFit/>
-          </a:bodyPr>
-          <a:lstStyle/>
-          <a:p>
-            <a:r>
-              <a:rPr kumimoji="1" lang="ja-JP" altLang="en-US" dirty="0"/>
-              <a:t>↓壁を見ているとき</a:t>
-            </a:r>
-          </a:p>
-        </p:txBody>
-      </p:sp>
-      <p:sp>
-        <p:nvSpPr>
-          <p:cNvPr id="47" name="テキスト ボックス 46">
-            <a:extLst>
-              <a:ext uri="{FF2B5EF4-FFF2-40B4-BE49-F238E27FC236}">
-                <a16:creationId xmlns:a16="http://schemas.microsoft.com/office/drawing/2014/main" id="{7E4789C3-DBF2-4302-B4E3-CE0CBB2B047A}"/>
-              </a:ext>
-            </a:extLst>
-          </p:cNvPr>
-          <p:cNvSpPr txBox="1"/>
-          <p:nvPr/>
-        </p:nvSpPr>
-        <p:spPr>
-          <a:xfrm>
-            <a:off x="747552" y="2372941"/>
-            <a:ext cx="5819775" cy="2862322"/>
-          </a:xfrm>
-          <a:prstGeom prst="rect">
-            <a:avLst/>
-          </a:prstGeom>
-          <a:noFill/>
-        </p:spPr>
-        <p:txBody>
-          <a:bodyPr wrap="square" rtlCol="0">
-            <a:spAutoFit/>
-          </a:bodyPr>
-          <a:lstStyle/>
-          <a:p>
-            <a:r>
-              <a:rPr kumimoji="1" lang="ja-JP" altLang="en-US" dirty="0"/>
-              <a:t>プレイヤーの遠距離攻撃は、</a:t>
+              <a:t>座標、回転、スケール、タグなどを</a:t>
+            </a:r>
+            <a:r>
+              <a:rPr lang="ja-JP" altLang="en-US" dirty="0"/>
+              <a:t>バイナリファイルとして書き出し、そのデータを読み込んで使用しています。</a:t>
             </a:r>
             <a:endParaRPr kumimoji="1" lang="en-US" altLang="ja-JP" dirty="0"/>
-          </a:p>
-          <a:p>
-            <a:r>
-              <a:rPr kumimoji="1" lang="ja-JP" altLang="en-US" dirty="0"/>
-              <a:t>カメラから飛ばしたレイが当たっている地形や敵の座標を計算してプレイヤーの手元から結果の座標をめがけて矢を発射するようにしている。</a:t>
-            </a:r>
-            <a:endParaRPr kumimoji="1" lang="en-US" altLang="ja-JP" dirty="0"/>
-          </a:p>
-          <a:p>
-            <a:endParaRPr lang="en-US" altLang="ja-JP" dirty="0"/>
-          </a:p>
-          <a:p>
-            <a:r>
-              <a:rPr kumimoji="1" lang="ja-JP" altLang="en-US" dirty="0"/>
-              <a:t>同じように、カメラから飛ばしたレイを使用して、</a:t>
-            </a:r>
-            <a:endParaRPr kumimoji="1" lang="en-US" altLang="ja-JP" dirty="0"/>
-          </a:p>
-          <a:p>
-            <a:r>
-              <a:rPr lang="ja-JP" altLang="en-US" dirty="0"/>
-              <a:t>罠を設置する場所も決定している。</a:t>
-            </a:r>
-            <a:endParaRPr lang="en-US" altLang="ja-JP" dirty="0"/>
-          </a:p>
-          <a:p>
-            <a:endParaRPr kumimoji="1" lang="en-US" altLang="ja-JP" dirty="0"/>
-          </a:p>
-          <a:p>
-            <a:r>
-              <a:rPr lang="ja-JP" altLang="en-US" dirty="0"/>
-              <a:t>このように実装することで、矢は照準通りに飛んでいき、罠は見ているところに設置できるようになった。</a:t>
-            </a:r>
-            <a:endParaRPr kumimoji="1" lang="ja-JP" altLang="en-US" dirty="0"/>
           </a:p>
         </p:txBody>
       </p:sp>
     </p:spTree>
     <p:extLst>
       <p:ext uri="{BB962C8B-B14F-4D97-AF65-F5344CB8AC3E}">
-        <p14:creationId xmlns:p14="http://schemas.microsoft.com/office/powerpoint/2010/main" val="4025220581"/>
+        <p14:creationId xmlns:p14="http://schemas.microsoft.com/office/powerpoint/2010/main" val="1525029116"/>
       </p:ext>
     </p:extLst>
   </p:cSld>
@@ -5296,51 +5402,12 @@
           </a:p>
         </p:txBody>
       </p:sp>
-      <p:sp>
-        <p:nvSpPr>
-          <p:cNvPr id="4" name="テキスト ボックス 3">
-            <a:extLst>
-              <a:ext uri="{FF2B5EF4-FFF2-40B4-BE49-F238E27FC236}">
-                <a16:creationId xmlns:a16="http://schemas.microsoft.com/office/drawing/2014/main" id="{662CFF19-55F7-43F6-88E9-700C5753F732}"/>
-              </a:ext>
-            </a:extLst>
-          </p:cNvPr>
-          <p:cNvSpPr txBox="1"/>
-          <p:nvPr/>
-        </p:nvSpPr>
-        <p:spPr>
-          <a:xfrm>
-            <a:off x="5994400" y="394299"/>
-            <a:ext cx="1100670" cy="461665"/>
-          </a:xfrm>
-          <a:prstGeom prst="rect">
-            <a:avLst/>
-          </a:prstGeom>
-          <a:noFill/>
-        </p:spPr>
-        <p:txBody>
-          <a:bodyPr wrap="square" rtlCol="0">
-            <a:spAutoFit/>
-          </a:bodyPr>
-          <a:lstStyle/>
-          <a:p>
-            <a:r>
-              <a:rPr kumimoji="1" lang="ja-JP" altLang="en-US" sz="2400" dirty="0">
-                <a:solidFill>
-                  <a:schemeClr val="bg1"/>
-                </a:solidFill>
-              </a:rPr>
-              <a:t>マップ</a:t>
-            </a:r>
-          </a:p>
-        </p:txBody>
-      </p:sp>
       <p:pic>
         <p:nvPicPr>
-          <p:cNvPr id="6" name="図 5">
-            <a:extLst>
-              <a:ext uri="{FF2B5EF4-FFF2-40B4-BE49-F238E27FC236}">
-                <a16:creationId xmlns:a16="http://schemas.microsoft.com/office/drawing/2014/main" id="{1719F22B-5214-4609-88B4-D7DFB8CA6ECF}"/>
+          <p:cNvPr id="4" name="図 3">
+            <a:extLst>
+              <a:ext uri="{FF2B5EF4-FFF2-40B4-BE49-F238E27FC236}">
+                <a16:creationId xmlns:a16="http://schemas.microsoft.com/office/drawing/2014/main" id="{0FCDF8C6-2881-4583-BCF9-A29E7E274EB7}"/>
               </a:ext>
             </a:extLst>
           </p:cNvPr>
@@ -5357,13 +5424,13 @@
               </a:ext>
             </a:extLst>
           </a:blip>
-          <a:srcRect l="13079" t="21802" r="17236" b="7432"/>
+          <a:srcRect l="14375" t="12983" r="15469" b="11415"/>
           <a:stretch/>
         </p:blipFill>
         <p:spPr>
           <a:xfrm>
-            <a:off x="5839829" y="2486025"/>
-            <a:ext cx="5933071" cy="2998093"/>
+            <a:off x="7632014" y="1584719"/>
+            <a:ext cx="4048125" cy="2172825"/>
           </a:xfrm>
           <a:prstGeom prst="rect">
             <a:avLst/>
@@ -5384,12 +5451,61 @@
           </a:effectLst>
         </p:spPr>
       </p:pic>
-      <p:sp>
-        <p:nvSpPr>
-          <p:cNvPr id="11" name="テキスト ボックス 10">
-            <a:extLst>
-              <a:ext uri="{FF2B5EF4-FFF2-40B4-BE49-F238E27FC236}">
-                <a16:creationId xmlns:a16="http://schemas.microsoft.com/office/drawing/2014/main" id="{241528FB-CCD4-4091-9704-46C182C0A82E}"/>
+      <p:pic>
+        <p:nvPicPr>
+          <p:cNvPr id="6" name="図 5">
+            <a:extLst>
+              <a:ext uri="{FF2B5EF4-FFF2-40B4-BE49-F238E27FC236}">
+                <a16:creationId xmlns:a16="http://schemas.microsoft.com/office/drawing/2014/main" id="{C7C9B593-7478-4207-A9CC-2FD64165A64C}"/>
+              </a:ext>
+            </a:extLst>
+          </p:cNvPr>
+          <p:cNvPicPr>
+            <a:picLocks noChangeAspect="1"/>
+          </p:cNvPicPr>
+          <p:nvPr/>
+        </p:nvPicPr>
+        <p:blipFill rotWithShape="1">
+          <a:blip r:embed="rId4">
+            <a:extLst>
+              <a:ext uri="{28A0092B-C50C-407E-A947-70E740481C1C}">
+                <a14:useLocalDpi xmlns:a14="http://schemas.microsoft.com/office/drawing/2010/main" val="0"/>
+              </a:ext>
+            </a:extLst>
+          </a:blip>
+          <a:srcRect l="6037" t="9755" r="10918" b="964"/>
+          <a:stretch/>
+        </p:blipFill>
+        <p:spPr>
+          <a:xfrm>
+            <a:off x="7632014" y="4337443"/>
+            <a:ext cx="4069444" cy="2172825"/>
+          </a:xfrm>
+          <a:prstGeom prst="rect">
+            <a:avLst/>
+          </a:prstGeom>
+          <a:ln w="88900" cap="sq" cmpd="thickThin">
+            <a:solidFill>
+              <a:schemeClr val="accent1">
+                <a:lumMod val="75000"/>
+              </a:schemeClr>
+            </a:solidFill>
+            <a:prstDash val="solid"/>
+            <a:miter lim="800000"/>
+          </a:ln>
+          <a:effectLst>
+            <a:innerShdw blurRad="76200">
+              <a:srgbClr val="000000"/>
+            </a:innerShdw>
+          </a:effectLst>
+        </p:spPr>
+      </p:pic>
+      <p:sp>
+        <p:nvSpPr>
+          <p:cNvPr id="7" name="テキスト ボックス 6">
+            <a:extLst>
+              <a:ext uri="{FF2B5EF4-FFF2-40B4-BE49-F238E27FC236}">
+                <a16:creationId xmlns:a16="http://schemas.microsoft.com/office/drawing/2014/main" id="{1AD4D6C1-5735-4394-A9F0-6DAD02F50A20}"/>
               </a:ext>
             </a:extLst>
           </p:cNvPr>
@@ -5398,8 +5514,8 @@
         </p:nvSpPr>
         <p:spPr>
           <a:xfrm>
-            <a:off x="666750" y="3118318"/>
-            <a:ext cx="4362450" cy="1477328"/>
+            <a:off x="5994400" y="394299"/>
+            <a:ext cx="1100670" cy="461665"/>
           </a:xfrm>
           <a:prstGeom prst="rect">
             <a:avLst/>
@@ -5413,39 +5529,172 @@
           <a:lstStyle/>
           <a:p>
             <a:r>
-              <a:rPr kumimoji="1" lang="en-US" altLang="ja-JP" dirty="0"/>
+              <a:rPr kumimoji="1" lang="ja-JP" altLang="en-US" sz="2400" dirty="0">
+                <a:solidFill>
+                  <a:schemeClr val="bg1"/>
+                </a:solidFill>
+              </a:rPr>
+              <a:t>マップ</a:t>
+            </a:r>
+          </a:p>
+        </p:txBody>
+      </p:sp>
+      <p:sp>
+        <p:nvSpPr>
+          <p:cNvPr id="3" name="テキスト ボックス 2">
+            <a:extLst>
+              <a:ext uri="{FF2B5EF4-FFF2-40B4-BE49-F238E27FC236}">
+                <a16:creationId xmlns:a16="http://schemas.microsoft.com/office/drawing/2014/main" id="{489BBAEE-0DF3-40D0-8707-9610546B6B6A}"/>
+              </a:ext>
+            </a:extLst>
+          </p:cNvPr>
+          <p:cNvSpPr txBox="1"/>
+          <p:nvPr/>
+        </p:nvSpPr>
+        <p:spPr>
+          <a:xfrm>
+            <a:off x="511861" y="2400300"/>
+            <a:ext cx="6086475" cy="923330"/>
+          </a:xfrm>
+          <a:prstGeom prst="rect">
+            <a:avLst/>
+          </a:prstGeom>
+          <a:noFill/>
+        </p:spPr>
+        <p:txBody>
+          <a:bodyPr wrap="square" rtlCol="0">
+            <a:spAutoFit/>
+          </a:bodyPr>
+          <a:lstStyle/>
+          <a:p>
+            <a:r>
+              <a:rPr kumimoji="1" lang="ja-JP" altLang="en-US" dirty="0"/>
+              <a:t>マップの構造だけでなく、敵の移動ルートや、</a:t>
+            </a:r>
+            <a:endParaRPr kumimoji="1" lang="en-US" altLang="ja-JP" dirty="0"/>
+          </a:p>
+          <a:p>
+            <a:r>
+              <a:rPr lang="ja-JP" altLang="en-US" dirty="0"/>
+              <a:t>あらかじめ計算した罠を設置できる座標情報も出力できるようにしています。</a:t>
+            </a:r>
+            <a:endParaRPr kumimoji="1" lang="ja-JP" altLang="en-US" dirty="0"/>
+          </a:p>
+        </p:txBody>
+      </p:sp>
+      <p:sp>
+        <p:nvSpPr>
+          <p:cNvPr id="8" name="テキスト ボックス 7">
+            <a:extLst>
+              <a:ext uri="{FF2B5EF4-FFF2-40B4-BE49-F238E27FC236}">
+                <a16:creationId xmlns:a16="http://schemas.microsoft.com/office/drawing/2014/main" id="{BF6D88BF-041B-479C-8D0B-A4D008D9FDE1}"/>
+              </a:ext>
+            </a:extLst>
+          </p:cNvPr>
+          <p:cNvSpPr txBox="1"/>
+          <p:nvPr/>
+        </p:nvSpPr>
+        <p:spPr>
+          <a:xfrm>
+            <a:off x="7632015" y="1127957"/>
+            <a:ext cx="2978836" cy="376993"/>
+          </a:xfrm>
+          <a:prstGeom prst="rect">
+            <a:avLst/>
+          </a:prstGeom>
+          <a:noFill/>
+        </p:spPr>
+        <p:txBody>
+          <a:bodyPr wrap="square" rtlCol="0">
+            <a:spAutoFit/>
+          </a:bodyPr>
+          <a:lstStyle/>
+          <a:p>
+            <a:r>
+              <a:rPr kumimoji="1" lang="ja-JP" altLang="en-US" dirty="0"/>
+              <a:t>↓青い線が敵の移動ルート</a:t>
+            </a:r>
+          </a:p>
+        </p:txBody>
+      </p:sp>
+      <p:sp>
+        <p:nvSpPr>
+          <p:cNvPr id="9" name="テキスト ボックス 8">
+            <a:extLst>
+              <a:ext uri="{FF2B5EF4-FFF2-40B4-BE49-F238E27FC236}">
+                <a16:creationId xmlns:a16="http://schemas.microsoft.com/office/drawing/2014/main" id="{4BB1BF6E-266A-4BC8-BB61-53E3B961C094}"/>
+              </a:ext>
+            </a:extLst>
+          </p:cNvPr>
+          <p:cNvSpPr txBox="1"/>
+          <p:nvPr/>
+        </p:nvSpPr>
+        <p:spPr>
+          <a:xfrm>
+            <a:off x="7632015" y="3873409"/>
+            <a:ext cx="3426510" cy="369332"/>
+          </a:xfrm>
+          <a:prstGeom prst="rect">
+            <a:avLst/>
+          </a:prstGeom>
+          <a:noFill/>
+        </p:spPr>
+        <p:txBody>
+          <a:bodyPr wrap="square" rtlCol="0">
+            <a:spAutoFit/>
+          </a:bodyPr>
+          <a:lstStyle/>
+          <a:p>
+            <a:r>
+              <a:rPr kumimoji="1" lang="ja-JP" altLang="en-US" dirty="0"/>
+              <a:t>↓赤い点が罠を設置できる座標</a:t>
+            </a:r>
+          </a:p>
+        </p:txBody>
+      </p:sp>
+      <p:sp>
+        <p:nvSpPr>
+          <p:cNvPr id="11" name="テキスト ボックス 10">
+            <a:extLst>
+              <a:ext uri="{FF2B5EF4-FFF2-40B4-BE49-F238E27FC236}">
+                <a16:creationId xmlns:a16="http://schemas.microsoft.com/office/drawing/2014/main" id="{B92E4CCF-C5FC-9948-DF77-9BA83CE9E853}"/>
+              </a:ext>
+            </a:extLst>
+          </p:cNvPr>
+          <p:cNvSpPr txBox="1"/>
+          <p:nvPr/>
+        </p:nvSpPr>
+        <p:spPr>
+          <a:xfrm>
+            <a:off x="511861" y="4552844"/>
+            <a:ext cx="6162674" cy="923330"/>
+          </a:xfrm>
+          <a:prstGeom prst="rect">
+            <a:avLst/>
+          </a:prstGeom>
+          <a:noFill/>
+        </p:spPr>
+        <p:txBody>
+          <a:bodyPr wrap="square">
+            <a:spAutoFit/>
+          </a:bodyPr>
+          <a:lstStyle/>
+          <a:p>
+            <a:r>
+              <a:rPr lang="en-US" altLang="ja-JP" dirty="0"/>
               <a:t>Unity</a:t>
             </a:r>
             <a:r>
-              <a:rPr kumimoji="1" lang="ja-JP" altLang="en-US" dirty="0"/>
-              <a:t>をマップ制作ツールとして使用し、</a:t>
-            </a:r>
-            <a:endParaRPr kumimoji="1" lang="en-US" altLang="ja-JP" dirty="0"/>
-          </a:p>
-          <a:p>
-            <a:r>
               <a:rPr lang="ja-JP" altLang="en-US" dirty="0"/>
-              <a:t>マップを作成しました。</a:t>
-            </a:r>
-            <a:endParaRPr lang="en-US" altLang="ja-JP" dirty="0"/>
-          </a:p>
-          <a:p>
-            <a:r>
-              <a:rPr kumimoji="1" lang="ja-JP" altLang="en-US" dirty="0"/>
-              <a:t>座標、回転、スケール、タグなどを</a:t>
-            </a:r>
-            <a:r>
-              <a:rPr lang="ja-JP" altLang="en-US" dirty="0"/>
-              <a:t>バイナリファイルとして書き出し、そのデータを読み込んで使用しています。</a:t>
-            </a:r>
-            <a:endParaRPr kumimoji="1" lang="en-US" altLang="ja-JP" dirty="0"/>
+              <a:t>上で実際にモデルを配置しながらステージの構造、罠を設置できるポイント、敵の移動ルートを決めることができ、ゲームの難易度を調整しやすくなりました。</a:t>
+            </a:r>
           </a:p>
         </p:txBody>
       </p:sp>
     </p:spTree>
     <p:extLst>
       <p:ext uri="{BB962C8B-B14F-4D97-AF65-F5344CB8AC3E}">
-        <p14:creationId xmlns:p14="http://schemas.microsoft.com/office/powerpoint/2010/main" val="1525029116"/>
+        <p14:creationId xmlns:p14="http://schemas.microsoft.com/office/powerpoint/2010/main" val="4039138360"/>
       </p:ext>
     </p:extLst>
   </p:cSld>
@@ -5546,399 +5795,6 @@
           </a:p>
         </p:txBody>
       </p:sp>
-      <p:pic>
-        <p:nvPicPr>
-          <p:cNvPr id="4" name="図 3">
-            <a:extLst>
-              <a:ext uri="{FF2B5EF4-FFF2-40B4-BE49-F238E27FC236}">
-                <a16:creationId xmlns:a16="http://schemas.microsoft.com/office/drawing/2014/main" id="{0FCDF8C6-2881-4583-BCF9-A29E7E274EB7}"/>
-              </a:ext>
-            </a:extLst>
-          </p:cNvPr>
-          <p:cNvPicPr>
-            <a:picLocks noChangeAspect="1"/>
-          </p:cNvPicPr>
-          <p:nvPr/>
-        </p:nvPicPr>
-        <p:blipFill rotWithShape="1">
-          <a:blip r:embed="rId3">
-            <a:extLst>
-              <a:ext uri="{28A0092B-C50C-407E-A947-70E740481C1C}">
-                <a14:useLocalDpi xmlns:a14="http://schemas.microsoft.com/office/drawing/2010/main" val="0"/>
-              </a:ext>
-            </a:extLst>
-          </a:blip>
-          <a:srcRect l="14375" t="12983" r="15469" b="11415"/>
-          <a:stretch/>
-        </p:blipFill>
-        <p:spPr>
-          <a:xfrm>
-            <a:off x="7632014" y="1584719"/>
-            <a:ext cx="4048125" cy="2172825"/>
-          </a:xfrm>
-          <a:prstGeom prst="rect">
-            <a:avLst/>
-          </a:prstGeom>
-          <a:ln w="88900" cap="sq" cmpd="thickThin">
-            <a:solidFill>
-              <a:schemeClr val="accent1">
-                <a:lumMod val="75000"/>
-              </a:schemeClr>
-            </a:solidFill>
-            <a:prstDash val="solid"/>
-            <a:miter lim="800000"/>
-          </a:ln>
-          <a:effectLst>
-            <a:innerShdw blurRad="76200">
-              <a:srgbClr val="000000"/>
-            </a:innerShdw>
-          </a:effectLst>
-        </p:spPr>
-      </p:pic>
-      <p:pic>
-        <p:nvPicPr>
-          <p:cNvPr id="6" name="図 5">
-            <a:extLst>
-              <a:ext uri="{FF2B5EF4-FFF2-40B4-BE49-F238E27FC236}">
-                <a16:creationId xmlns:a16="http://schemas.microsoft.com/office/drawing/2014/main" id="{C7C9B593-7478-4207-A9CC-2FD64165A64C}"/>
-              </a:ext>
-            </a:extLst>
-          </p:cNvPr>
-          <p:cNvPicPr>
-            <a:picLocks noChangeAspect="1"/>
-          </p:cNvPicPr>
-          <p:nvPr/>
-        </p:nvPicPr>
-        <p:blipFill rotWithShape="1">
-          <a:blip r:embed="rId4">
-            <a:extLst>
-              <a:ext uri="{28A0092B-C50C-407E-A947-70E740481C1C}">
-                <a14:useLocalDpi xmlns:a14="http://schemas.microsoft.com/office/drawing/2010/main" val="0"/>
-              </a:ext>
-            </a:extLst>
-          </a:blip>
-          <a:srcRect l="6037" t="9755" r="10918" b="964"/>
-          <a:stretch/>
-        </p:blipFill>
-        <p:spPr>
-          <a:xfrm>
-            <a:off x="7632014" y="4337443"/>
-            <a:ext cx="4069444" cy="2172825"/>
-          </a:xfrm>
-          <a:prstGeom prst="rect">
-            <a:avLst/>
-          </a:prstGeom>
-          <a:ln w="88900" cap="sq" cmpd="thickThin">
-            <a:solidFill>
-              <a:schemeClr val="accent1">
-                <a:lumMod val="75000"/>
-              </a:schemeClr>
-            </a:solidFill>
-            <a:prstDash val="solid"/>
-            <a:miter lim="800000"/>
-          </a:ln>
-          <a:effectLst>
-            <a:innerShdw blurRad="76200">
-              <a:srgbClr val="000000"/>
-            </a:innerShdw>
-          </a:effectLst>
-        </p:spPr>
-      </p:pic>
-      <p:sp>
-        <p:nvSpPr>
-          <p:cNvPr id="7" name="テキスト ボックス 6">
-            <a:extLst>
-              <a:ext uri="{FF2B5EF4-FFF2-40B4-BE49-F238E27FC236}">
-                <a16:creationId xmlns:a16="http://schemas.microsoft.com/office/drawing/2014/main" id="{1AD4D6C1-5735-4394-A9F0-6DAD02F50A20}"/>
-              </a:ext>
-            </a:extLst>
-          </p:cNvPr>
-          <p:cNvSpPr txBox="1"/>
-          <p:nvPr/>
-        </p:nvSpPr>
-        <p:spPr>
-          <a:xfrm>
-            <a:off x="5994400" y="394299"/>
-            <a:ext cx="1100670" cy="461665"/>
-          </a:xfrm>
-          <a:prstGeom prst="rect">
-            <a:avLst/>
-          </a:prstGeom>
-          <a:noFill/>
-        </p:spPr>
-        <p:txBody>
-          <a:bodyPr wrap="square" rtlCol="0">
-            <a:spAutoFit/>
-          </a:bodyPr>
-          <a:lstStyle/>
-          <a:p>
-            <a:r>
-              <a:rPr kumimoji="1" lang="ja-JP" altLang="en-US" sz="2400" dirty="0">
-                <a:solidFill>
-                  <a:schemeClr val="bg1"/>
-                </a:solidFill>
-              </a:rPr>
-              <a:t>マップ</a:t>
-            </a:r>
-          </a:p>
-        </p:txBody>
-      </p:sp>
-      <p:sp>
-        <p:nvSpPr>
-          <p:cNvPr id="3" name="テキスト ボックス 2">
-            <a:extLst>
-              <a:ext uri="{FF2B5EF4-FFF2-40B4-BE49-F238E27FC236}">
-                <a16:creationId xmlns:a16="http://schemas.microsoft.com/office/drawing/2014/main" id="{489BBAEE-0DF3-40D0-8707-9610546B6B6A}"/>
-              </a:ext>
-            </a:extLst>
-          </p:cNvPr>
-          <p:cNvSpPr txBox="1"/>
-          <p:nvPr/>
-        </p:nvSpPr>
-        <p:spPr>
-          <a:xfrm>
-            <a:off x="511861" y="2400300"/>
-            <a:ext cx="6086475" cy="923330"/>
-          </a:xfrm>
-          <a:prstGeom prst="rect">
-            <a:avLst/>
-          </a:prstGeom>
-          <a:noFill/>
-        </p:spPr>
-        <p:txBody>
-          <a:bodyPr wrap="square" rtlCol="0">
-            <a:spAutoFit/>
-          </a:bodyPr>
-          <a:lstStyle/>
-          <a:p>
-            <a:r>
-              <a:rPr kumimoji="1" lang="ja-JP" altLang="en-US" dirty="0"/>
-              <a:t>マップの構造だけでなく、敵の移動ルートや、</a:t>
-            </a:r>
-            <a:endParaRPr kumimoji="1" lang="en-US" altLang="ja-JP" dirty="0"/>
-          </a:p>
-          <a:p>
-            <a:r>
-              <a:rPr lang="ja-JP" altLang="en-US" dirty="0"/>
-              <a:t>あらかじめ計算した罠を設置できる座標情報も出力できるようにしています。</a:t>
-            </a:r>
-            <a:endParaRPr kumimoji="1" lang="ja-JP" altLang="en-US" dirty="0"/>
-          </a:p>
-        </p:txBody>
-      </p:sp>
-      <p:sp>
-        <p:nvSpPr>
-          <p:cNvPr id="8" name="テキスト ボックス 7">
-            <a:extLst>
-              <a:ext uri="{FF2B5EF4-FFF2-40B4-BE49-F238E27FC236}">
-                <a16:creationId xmlns:a16="http://schemas.microsoft.com/office/drawing/2014/main" id="{BF6D88BF-041B-479C-8D0B-A4D008D9FDE1}"/>
-              </a:ext>
-            </a:extLst>
-          </p:cNvPr>
-          <p:cNvSpPr txBox="1"/>
-          <p:nvPr/>
-        </p:nvSpPr>
-        <p:spPr>
-          <a:xfrm>
-            <a:off x="7632015" y="1127957"/>
-            <a:ext cx="2978836" cy="376993"/>
-          </a:xfrm>
-          <a:prstGeom prst="rect">
-            <a:avLst/>
-          </a:prstGeom>
-          <a:noFill/>
-        </p:spPr>
-        <p:txBody>
-          <a:bodyPr wrap="square" rtlCol="0">
-            <a:spAutoFit/>
-          </a:bodyPr>
-          <a:lstStyle/>
-          <a:p>
-            <a:r>
-              <a:rPr kumimoji="1" lang="ja-JP" altLang="en-US" dirty="0"/>
-              <a:t>↓青い線が敵の移動ルート</a:t>
-            </a:r>
-          </a:p>
-        </p:txBody>
-      </p:sp>
-      <p:sp>
-        <p:nvSpPr>
-          <p:cNvPr id="9" name="テキスト ボックス 8">
-            <a:extLst>
-              <a:ext uri="{FF2B5EF4-FFF2-40B4-BE49-F238E27FC236}">
-                <a16:creationId xmlns:a16="http://schemas.microsoft.com/office/drawing/2014/main" id="{4BB1BF6E-266A-4BC8-BB61-53E3B961C094}"/>
-              </a:ext>
-            </a:extLst>
-          </p:cNvPr>
-          <p:cNvSpPr txBox="1"/>
-          <p:nvPr/>
-        </p:nvSpPr>
-        <p:spPr>
-          <a:xfrm>
-            <a:off x="7632015" y="3873409"/>
-            <a:ext cx="3426510" cy="369332"/>
-          </a:xfrm>
-          <a:prstGeom prst="rect">
-            <a:avLst/>
-          </a:prstGeom>
-          <a:noFill/>
-        </p:spPr>
-        <p:txBody>
-          <a:bodyPr wrap="square" rtlCol="0">
-            <a:spAutoFit/>
-          </a:bodyPr>
-          <a:lstStyle/>
-          <a:p>
-            <a:r>
-              <a:rPr kumimoji="1" lang="ja-JP" altLang="en-US" dirty="0"/>
-              <a:t>↓赤い点が罠を設置できる座標</a:t>
-            </a:r>
-          </a:p>
-        </p:txBody>
-      </p:sp>
-      <p:sp>
-        <p:nvSpPr>
-          <p:cNvPr id="11" name="テキスト ボックス 10">
-            <a:extLst>
-              <a:ext uri="{FF2B5EF4-FFF2-40B4-BE49-F238E27FC236}">
-                <a16:creationId xmlns:a16="http://schemas.microsoft.com/office/drawing/2014/main" id="{B92E4CCF-C5FC-9948-DF77-9BA83CE9E853}"/>
-              </a:ext>
-            </a:extLst>
-          </p:cNvPr>
-          <p:cNvSpPr txBox="1"/>
-          <p:nvPr/>
-        </p:nvSpPr>
-        <p:spPr>
-          <a:xfrm>
-            <a:off x="511861" y="4552844"/>
-            <a:ext cx="6162674" cy="923330"/>
-          </a:xfrm>
-          <a:prstGeom prst="rect">
-            <a:avLst/>
-          </a:prstGeom>
-          <a:noFill/>
-        </p:spPr>
-        <p:txBody>
-          <a:bodyPr wrap="square">
-            <a:spAutoFit/>
-          </a:bodyPr>
-          <a:lstStyle/>
-          <a:p>
-            <a:r>
-              <a:rPr lang="en-US" altLang="ja-JP" dirty="0"/>
-              <a:t>Unity</a:t>
-            </a:r>
-            <a:r>
-              <a:rPr lang="ja-JP" altLang="en-US" dirty="0"/>
-              <a:t>上で実際にモデルを配置しながらステージの構造、罠を設置できるポイント、敵の移動ルートを決めることができ、ゲームの難易度を調整しやすくなりました。</a:t>
-            </a:r>
-          </a:p>
-        </p:txBody>
-      </p:sp>
-    </p:spTree>
-    <p:extLst>
-      <p:ext uri="{BB962C8B-B14F-4D97-AF65-F5344CB8AC3E}">
-        <p14:creationId xmlns:p14="http://schemas.microsoft.com/office/powerpoint/2010/main" val="4039138360"/>
-      </p:ext>
-    </p:extLst>
-  </p:cSld>
-  <p:clrMapOvr>
-    <a:masterClrMapping/>
-  </p:clrMapOvr>
-</p:sld>
-</file>
-
-<file path=ppt/slides/slide7.xml><?xml version="1.0" encoding="utf-8"?>
-<p:sld xmlns:a="http://schemas.openxmlformats.org/drawingml/2006/main" xmlns:r="http://schemas.openxmlformats.org/officeDocument/2006/relationships" xmlns:p="http://schemas.openxmlformats.org/presentationml/2006/main">
-  <p:cSld>
-    <p:spTree>
-      <p:nvGrpSpPr>
-        <p:cNvPr id="1" name=""/>
-        <p:cNvGrpSpPr/>
-        <p:nvPr/>
-      </p:nvGrpSpPr>
-      <p:grpSpPr>
-        <a:xfrm>
-          <a:off x="0" y="0"/>
-          <a:ext cx="0" cy="0"/>
-          <a:chOff x="0" y="0"/>
-          <a:chExt cx="0" cy="0"/>
-        </a:xfrm>
-      </p:grpSpPr>
-      <p:pic>
-        <p:nvPicPr>
-          <p:cNvPr id="5" name="コンテンツ プレースホルダー 4">
-            <a:extLst>
-              <a:ext uri="{FF2B5EF4-FFF2-40B4-BE49-F238E27FC236}">
-                <a16:creationId xmlns:a16="http://schemas.microsoft.com/office/drawing/2014/main" id="{80508A92-B1A8-4943-A8DE-5BC3C10C8D47}"/>
-              </a:ext>
-            </a:extLst>
-          </p:cNvPr>
-          <p:cNvPicPr>
-            <a:picLocks noGrp="1" noChangeAspect="1"/>
-          </p:cNvPicPr>
-          <p:nvPr>
-            <p:ph idx="1"/>
-          </p:nvPr>
-        </p:nvPicPr>
-        <p:blipFill>
-          <a:blip r:embed="rId2">
-            <a:extLst>
-              <a:ext uri="{28A0092B-C50C-407E-A947-70E740481C1C}">
-                <a14:useLocalDpi xmlns:a14="http://schemas.microsoft.com/office/drawing/2010/main" val="0"/>
-              </a:ext>
-            </a:extLst>
-          </a:blip>
-          <a:stretch>
-            <a:fillRect/>
-          </a:stretch>
-        </p:blipFill>
-        <p:spPr>
-          <a:xfrm>
-            <a:off x="0" y="0"/>
-            <a:ext cx="12192000" cy="6858000"/>
-          </a:xfrm>
-        </p:spPr>
-      </p:pic>
-      <p:sp>
-        <p:nvSpPr>
-          <p:cNvPr id="2" name="タイトル 1">
-            <a:extLst>
-              <a:ext uri="{FF2B5EF4-FFF2-40B4-BE49-F238E27FC236}">
-                <a16:creationId xmlns:a16="http://schemas.microsoft.com/office/drawing/2014/main" id="{05F096B2-481E-478B-BC11-99B5311D103C}"/>
-              </a:ext>
-            </a:extLst>
-          </p:cNvPr>
-          <p:cNvSpPr>
-            <a:spLocks noGrp="1"/>
-          </p:cNvSpPr>
-          <p:nvPr>
-            <p:ph type="title"/>
-          </p:nvPr>
-        </p:nvSpPr>
-        <p:spPr>
-          <a:xfrm>
-            <a:off x="1833035" y="271993"/>
-            <a:ext cx="3263898" cy="583971"/>
-          </a:xfrm>
-        </p:spPr>
-        <p:txBody>
-          <a:bodyPr>
-            <a:normAutofit fontScale="90000"/>
-          </a:bodyPr>
-          <a:lstStyle/>
-          <a:p>
-            <a:r>
-              <a:rPr kumimoji="1" lang="ja-JP" altLang="en-US" dirty="0">
-                <a:solidFill>
-                  <a:schemeClr val="bg2"/>
-                </a:solidFill>
-              </a:rPr>
-              <a:t>最終制作作品</a:t>
-            </a:r>
-          </a:p>
-        </p:txBody>
-      </p:sp>
       <p:sp>
         <p:nvSpPr>
           <p:cNvPr id="3" name="テキスト ボックス 2">
@@ -6273,7 +6129,7 @@
 </p:sld>
 </file>
 
-<file path=ppt/slides/slide8.xml><?xml version="1.0" encoding="utf-8"?>
+<file path=ppt/slides/slide7.xml><?xml version="1.0" encoding="utf-8"?>
 <p:sld xmlns:a="http://schemas.openxmlformats.org/drawingml/2006/main" xmlns:r="http://schemas.openxmlformats.org/officeDocument/2006/relationships" xmlns:p="http://schemas.openxmlformats.org/presentationml/2006/main">
   <p:cSld>
     <p:spTree>
